--- a/design/marketplace design user story.pptx
+++ b/design/marketplace design user story.pptx
@@ -5,15 +5,23 @@
     <p:sldMasterId id="2147483648" r:id="rId1"/>
   </p:sldMasterIdLst>
   <p:notesMasterIdLst>
-    <p:notesMasterId r:id="rId8"/>
+    <p:notesMasterId r:id="rId16"/>
   </p:notesMasterIdLst>
   <p:sldIdLst>
     <p:sldId id="256" r:id="rId2"/>
     <p:sldId id="257" r:id="rId3"/>
     <p:sldId id="258" r:id="rId4"/>
     <p:sldId id="261" r:id="rId5"/>
-    <p:sldId id="260" r:id="rId6"/>
-    <p:sldId id="259" r:id="rId7"/>
+    <p:sldId id="264" r:id="rId6"/>
+    <p:sldId id="262" r:id="rId7"/>
+    <p:sldId id="263" r:id="rId8"/>
+    <p:sldId id="265" r:id="rId9"/>
+    <p:sldId id="266" r:id="rId10"/>
+    <p:sldId id="267" r:id="rId11"/>
+    <p:sldId id="270" r:id="rId12"/>
+    <p:sldId id="260" r:id="rId13"/>
+    <p:sldId id="259" r:id="rId14"/>
+    <p:sldId id="269" r:id="rId15"/>
   </p:sldIdLst>
   <p:sldSz cx="12192000" cy="6858000"/>
   <p:notesSz cx="6858000" cy="9144000"/>
@@ -202,7 +210,7 @@
           <a:p>
             <a:fld id="{4C00AF86-03D4-4FD2-A82B-FB695A231765}" type="datetimeFigureOut">
               <a:rPr lang="en-US" smtClean="0"/>
-              <a:t>6/1/2020</a:t>
+              <a:t>6/2/2020</a:t>
             </a:fld>
             <a:endParaRPr lang="en-US"/>
           </a:p>
@@ -614,6 +622,586 @@
 </p:notes>
 </file>
 
+<file path=ppt/notesSlides/notesSlide10.xml><?xml version="1.0" encoding="utf-8"?>
+<p:notes xmlns:a="http://schemas.openxmlformats.org/drawingml/2006/main" xmlns:r="http://schemas.openxmlformats.org/officeDocument/2006/relationships" xmlns:p="http://schemas.openxmlformats.org/presentationml/2006/main">
+  <p:cSld>
+    <p:spTree>
+      <p:nvGrpSpPr>
+        <p:cNvPr id="1" name=""/>
+        <p:cNvGrpSpPr/>
+        <p:nvPr/>
+      </p:nvGrpSpPr>
+      <p:grpSpPr>
+        <a:xfrm>
+          <a:off x="0" y="0"/>
+          <a:ext cx="0" cy="0"/>
+          <a:chOff x="0" y="0"/>
+          <a:chExt cx="0" cy="0"/>
+        </a:xfrm>
+      </p:grpSpPr>
+      <p:sp>
+        <p:nvSpPr>
+          <p:cNvPr id="2" name="Slide Image Placeholder 1"/>
+          <p:cNvSpPr>
+            <a:spLocks noGrp="1" noRot="1" noChangeAspect="1"/>
+          </p:cNvSpPr>
+          <p:nvPr>
+            <p:ph type="sldImg"/>
+          </p:nvPr>
+        </p:nvSpPr>
+        <p:spPr/>
+      </p:sp>
+      <p:sp>
+        <p:nvSpPr>
+          <p:cNvPr id="3" name="Notes Placeholder 2"/>
+          <p:cNvSpPr>
+            <a:spLocks noGrp="1"/>
+          </p:cNvSpPr>
+          <p:nvPr>
+            <p:ph type="body" idx="1"/>
+          </p:nvPr>
+        </p:nvSpPr>
+        <p:spPr/>
+        <p:txBody>
+          <a:bodyPr/>
+          <a:lstStyle/>
+          <a:p>
+            <a:r>
+              <a:rPr lang="en-US" dirty="0"/>
+              <a:t>Validate each module config with corresponding schema</a:t>
+            </a:r>
+          </a:p>
+          <a:p>
+            <a:r>
+              <a:rPr lang="en-US" dirty="0"/>
+              <a:t>Validate </a:t>
+            </a:r>
+            <a:r>
+              <a:rPr lang="en-US" dirty="0" err="1"/>
+              <a:t>globalConfig</a:t>
+            </a:r>
+            <a:r>
+              <a:rPr lang="en-US" dirty="0"/>
+              <a:t> with all schemas.</a:t>
+            </a:r>
+          </a:p>
+          <a:p>
+            <a:r>
+              <a:rPr lang="en-US" dirty="0"/>
+              <a:t>Validate each dependency module config with all corresponding schemas.</a:t>
+            </a:r>
+          </a:p>
+          <a:p>
+            <a:endParaRPr lang="en-US" dirty="0"/>
+          </a:p>
+          <a:p>
+            <a:r>
+              <a:rPr lang="en-US" dirty="0"/>
+              <a:t>Allow default value </a:t>
+            </a:r>
+          </a:p>
+          <a:p>
+            <a:pPr marL="0" marR="0" lvl="0" indent="0" algn="l" defTabSz="914400" rtl="0" eaLnBrk="1" fontAlgn="auto" latinLnBrk="0" hangingPunct="1">
+              <a:lnSpc>
+                <a:spcPct val="100000"/>
+              </a:lnSpc>
+              <a:spcBef>
+                <a:spcPts val="0"/>
+              </a:spcBef>
+              <a:spcAft>
+                <a:spcPts val="0"/>
+              </a:spcAft>
+              <a:buClrTx/>
+              <a:buSzTx/>
+              <a:buFontTx/>
+              <a:buNone/>
+              <a:tabLst/>
+              <a:defRPr/>
+            </a:pPr>
+            <a:r>
+              <a:rPr lang="en-US" dirty="0"/>
+              <a:t>Only submodule appears in config will be processed</a:t>
+            </a:r>
+          </a:p>
+          <a:p>
+            <a:endParaRPr lang="en-US" dirty="0"/>
+          </a:p>
+          <a:p>
+            <a:endParaRPr lang="en-US" dirty="0"/>
+          </a:p>
+        </p:txBody>
+      </p:sp>
+      <p:sp>
+        <p:nvSpPr>
+          <p:cNvPr id="4" name="Slide Number Placeholder 3"/>
+          <p:cNvSpPr>
+            <a:spLocks noGrp="1"/>
+          </p:cNvSpPr>
+          <p:nvPr>
+            <p:ph type="sldNum" sz="quarter" idx="5"/>
+          </p:nvPr>
+        </p:nvSpPr>
+        <p:spPr/>
+        <p:txBody>
+          <a:bodyPr/>
+          <a:lstStyle/>
+          <a:p>
+            <a:fld id="{88FC15C4-DDFD-44C8-AACF-12CBDCF5AD25}" type="slidenum">
+              <a:rPr lang="en-US" smtClean="0"/>
+              <a:t>11</a:t>
+            </a:fld>
+            <a:endParaRPr lang="en-US"/>
+          </a:p>
+        </p:txBody>
+      </p:sp>
+    </p:spTree>
+    <p:extLst>
+      <p:ext uri="{BB962C8B-B14F-4D97-AF65-F5344CB8AC3E}">
+        <p14:creationId xmlns:p14="http://schemas.microsoft.com/office/powerpoint/2010/main" val="1063550354"/>
+      </p:ext>
+    </p:extLst>
+  </p:cSld>
+  <p:clrMapOvr>
+    <a:masterClrMapping/>
+  </p:clrMapOvr>
+</p:notes>
+</file>
+
+<file path=ppt/notesSlides/notesSlide11.xml><?xml version="1.0" encoding="utf-8"?>
+<p:notes xmlns:a="http://schemas.openxmlformats.org/drawingml/2006/main" xmlns:r="http://schemas.openxmlformats.org/officeDocument/2006/relationships" xmlns:p="http://schemas.openxmlformats.org/presentationml/2006/main">
+  <p:cSld>
+    <p:spTree>
+      <p:nvGrpSpPr>
+        <p:cNvPr id="1" name=""/>
+        <p:cNvGrpSpPr/>
+        <p:nvPr/>
+      </p:nvGrpSpPr>
+      <p:grpSpPr>
+        <a:xfrm>
+          <a:off x="0" y="0"/>
+          <a:ext cx="0" cy="0"/>
+          <a:chOff x="0" y="0"/>
+          <a:chExt cx="0" cy="0"/>
+        </a:xfrm>
+      </p:grpSpPr>
+      <p:sp>
+        <p:nvSpPr>
+          <p:cNvPr id="2" name="Slide Image Placeholder 1"/>
+          <p:cNvSpPr>
+            <a:spLocks noGrp="1" noRot="1" noChangeAspect="1"/>
+          </p:cNvSpPr>
+          <p:nvPr>
+            <p:ph type="sldImg"/>
+          </p:nvPr>
+        </p:nvSpPr>
+        <p:spPr/>
+      </p:sp>
+      <p:sp>
+        <p:nvSpPr>
+          <p:cNvPr id="3" name="Notes Placeholder 2"/>
+          <p:cNvSpPr>
+            <a:spLocks noGrp="1"/>
+          </p:cNvSpPr>
+          <p:nvPr>
+            <p:ph type="body" idx="1"/>
+          </p:nvPr>
+        </p:nvSpPr>
+        <p:spPr/>
+        <p:txBody>
+          <a:bodyPr/>
+          <a:lstStyle/>
+          <a:p>
+            <a:r>
+              <a:rPr lang="en-US" dirty="0"/>
+              <a:t>Validate each module config with corresponding schema</a:t>
+            </a:r>
+          </a:p>
+          <a:p>
+            <a:r>
+              <a:rPr lang="en-US" dirty="0"/>
+              <a:t>Validate </a:t>
+            </a:r>
+            <a:r>
+              <a:rPr lang="en-US" dirty="0" err="1"/>
+              <a:t>globalConfig</a:t>
+            </a:r>
+            <a:r>
+              <a:rPr lang="en-US" dirty="0"/>
+              <a:t> with all schemas.</a:t>
+            </a:r>
+          </a:p>
+          <a:p>
+            <a:r>
+              <a:rPr lang="en-US" dirty="0"/>
+              <a:t>Validate each dependency module config with all corresponding schemas.</a:t>
+            </a:r>
+          </a:p>
+          <a:p>
+            <a:endParaRPr lang="en-US" dirty="0"/>
+          </a:p>
+          <a:p>
+            <a:r>
+              <a:rPr lang="en-US" dirty="0"/>
+              <a:t>Allow default value </a:t>
+            </a:r>
+          </a:p>
+          <a:p>
+            <a:pPr marL="0" marR="0" lvl="0" indent="0" algn="l" defTabSz="914400" rtl="0" eaLnBrk="1" fontAlgn="auto" latinLnBrk="0" hangingPunct="1">
+              <a:lnSpc>
+                <a:spcPct val="100000"/>
+              </a:lnSpc>
+              <a:spcBef>
+                <a:spcPts val="0"/>
+              </a:spcBef>
+              <a:spcAft>
+                <a:spcPts val="0"/>
+              </a:spcAft>
+              <a:buClrTx/>
+              <a:buSzTx/>
+              <a:buFontTx/>
+              <a:buNone/>
+              <a:tabLst/>
+              <a:defRPr/>
+            </a:pPr>
+            <a:r>
+              <a:rPr lang="en-US" dirty="0"/>
+              <a:t>Only submodule appears in config will be processed</a:t>
+            </a:r>
+          </a:p>
+          <a:p>
+            <a:endParaRPr lang="en-US" dirty="0"/>
+          </a:p>
+          <a:p>
+            <a:endParaRPr lang="en-US" dirty="0"/>
+          </a:p>
+        </p:txBody>
+      </p:sp>
+      <p:sp>
+        <p:nvSpPr>
+          <p:cNvPr id="4" name="Slide Number Placeholder 3"/>
+          <p:cNvSpPr>
+            <a:spLocks noGrp="1"/>
+          </p:cNvSpPr>
+          <p:nvPr>
+            <p:ph type="sldNum" sz="quarter" idx="5"/>
+          </p:nvPr>
+        </p:nvSpPr>
+        <p:spPr/>
+        <p:txBody>
+          <a:bodyPr/>
+          <a:lstStyle/>
+          <a:p>
+            <a:fld id="{88FC15C4-DDFD-44C8-AACF-12CBDCF5AD25}" type="slidenum">
+              <a:rPr lang="en-US" smtClean="0"/>
+              <a:t>12</a:t>
+            </a:fld>
+            <a:endParaRPr lang="en-US"/>
+          </a:p>
+        </p:txBody>
+      </p:sp>
+    </p:spTree>
+    <p:extLst>
+      <p:ext uri="{BB962C8B-B14F-4D97-AF65-F5344CB8AC3E}">
+        <p14:creationId xmlns:p14="http://schemas.microsoft.com/office/powerpoint/2010/main" val="1063550354"/>
+      </p:ext>
+    </p:extLst>
+  </p:cSld>
+  <p:clrMapOvr>
+    <a:masterClrMapping/>
+  </p:clrMapOvr>
+</p:notes>
+</file>
+
+<file path=ppt/notesSlides/notesSlide12.xml><?xml version="1.0" encoding="utf-8"?>
+<p:notes xmlns:a="http://schemas.openxmlformats.org/drawingml/2006/main" xmlns:r="http://schemas.openxmlformats.org/officeDocument/2006/relationships" xmlns:p="http://schemas.openxmlformats.org/presentationml/2006/main">
+  <p:cSld>
+    <p:spTree>
+      <p:nvGrpSpPr>
+        <p:cNvPr id="1" name=""/>
+        <p:cNvGrpSpPr/>
+        <p:nvPr/>
+      </p:nvGrpSpPr>
+      <p:grpSpPr>
+        <a:xfrm>
+          <a:off x="0" y="0"/>
+          <a:ext cx="0" cy="0"/>
+          <a:chOff x="0" y="0"/>
+          <a:chExt cx="0" cy="0"/>
+        </a:xfrm>
+      </p:grpSpPr>
+      <p:sp>
+        <p:nvSpPr>
+          <p:cNvPr id="2" name="Slide Image Placeholder 1"/>
+          <p:cNvSpPr>
+            <a:spLocks noGrp="1" noRot="1" noChangeAspect="1"/>
+          </p:cNvSpPr>
+          <p:nvPr>
+            <p:ph type="sldImg"/>
+          </p:nvPr>
+        </p:nvSpPr>
+        <p:spPr/>
+      </p:sp>
+      <p:sp>
+        <p:nvSpPr>
+          <p:cNvPr id="3" name="Notes Placeholder 2"/>
+          <p:cNvSpPr>
+            <a:spLocks noGrp="1"/>
+          </p:cNvSpPr>
+          <p:nvPr>
+            <p:ph type="body" idx="1"/>
+          </p:nvPr>
+        </p:nvSpPr>
+        <p:spPr/>
+        <p:txBody>
+          <a:bodyPr/>
+          <a:lstStyle/>
+          <a:p>
+            <a:r>
+              <a:rPr lang="en-US" dirty="0"/>
+              <a:t>Validate each module config with corresponding schema</a:t>
+            </a:r>
+          </a:p>
+          <a:p>
+            <a:r>
+              <a:rPr lang="en-US" dirty="0"/>
+              <a:t>Validate </a:t>
+            </a:r>
+            <a:r>
+              <a:rPr lang="en-US" dirty="0" err="1"/>
+              <a:t>globalConfig</a:t>
+            </a:r>
+            <a:r>
+              <a:rPr lang="en-US" dirty="0"/>
+              <a:t> with all schemas.</a:t>
+            </a:r>
+          </a:p>
+          <a:p>
+            <a:r>
+              <a:rPr lang="en-US" dirty="0"/>
+              <a:t>Validate each dependency module config with all corresponding schemas.</a:t>
+            </a:r>
+          </a:p>
+          <a:p>
+            <a:endParaRPr lang="en-US" dirty="0"/>
+          </a:p>
+          <a:p>
+            <a:r>
+              <a:rPr lang="en-US" dirty="0"/>
+              <a:t>Allow default value </a:t>
+            </a:r>
+          </a:p>
+          <a:p>
+            <a:pPr marL="0" marR="0" lvl="0" indent="0" algn="l" defTabSz="914400" rtl="0" eaLnBrk="1" fontAlgn="auto" latinLnBrk="0" hangingPunct="1">
+              <a:lnSpc>
+                <a:spcPct val="100000"/>
+              </a:lnSpc>
+              <a:spcBef>
+                <a:spcPts val="0"/>
+              </a:spcBef>
+              <a:spcAft>
+                <a:spcPts val="0"/>
+              </a:spcAft>
+              <a:buClrTx/>
+              <a:buSzTx/>
+              <a:buFontTx/>
+              <a:buNone/>
+              <a:tabLst/>
+              <a:defRPr/>
+            </a:pPr>
+            <a:r>
+              <a:rPr lang="en-US" dirty="0"/>
+              <a:t>Only submodule appears in config will be processed</a:t>
+            </a:r>
+          </a:p>
+          <a:p>
+            <a:endParaRPr lang="en-US" dirty="0"/>
+          </a:p>
+          <a:p>
+            <a:endParaRPr lang="en-US" dirty="0"/>
+          </a:p>
+        </p:txBody>
+      </p:sp>
+      <p:sp>
+        <p:nvSpPr>
+          <p:cNvPr id="4" name="Slide Number Placeholder 3"/>
+          <p:cNvSpPr>
+            <a:spLocks noGrp="1"/>
+          </p:cNvSpPr>
+          <p:nvPr>
+            <p:ph type="sldNum" sz="quarter" idx="5"/>
+          </p:nvPr>
+        </p:nvSpPr>
+        <p:spPr/>
+        <p:txBody>
+          <a:bodyPr/>
+          <a:lstStyle/>
+          <a:p>
+            <a:fld id="{88FC15C4-DDFD-44C8-AACF-12CBDCF5AD25}" type="slidenum">
+              <a:rPr lang="en-US" smtClean="0"/>
+              <a:t>13</a:t>
+            </a:fld>
+            <a:endParaRPr lang="en-US"/>
+          </a:p>
+        </p:txBody>
+      </p:sp>
+    </p:spTree>
+    <p:extLst>
+      <p:ext uri="{BB962C8B-B14F-4D97-AF65-F5344CB8AC3E}">
+        <p14:creationId xmlns:p14="http://schemas.microsoft.com/office/powerpoint/2010/main" val="1063550354"/>
+      </p:ext>
+    </p:extLst>
+  </p:cSld>
+  <p:clrMapOvr>
+    <a:masterClrMapping/>
+  </p:clrMapOvr>
+</p:notes>
+</file>
+
+<file path=ppt/notesSlides/notesSlide13.xml><?xml version="1.0" encoding="utf-8"?>
+<p:notes xmlns:a="http://schemas.openxmlformats.org/drawingml/2006/main" xmlns:r="http://schemas.openxmlformats.org/officeDocument/2006/relationships" xmlns:p="http://schemas.openxmlformats.org/presentationml/2006/main">
+  <p:cSld>
+    <p:spTree>
+      <p:nvGrpSpPr>
+        <p:cNvPr id="1" name=""/>
+        <p:cNvGrpSpPr/>
+        <p:nvPr/>
+      </p:nvGrpSpPr>
+      <p:grpSpPr>
+        <a:xfrm>
+          <a:off x="0" y="0"/>
+          <a:ext cx="0" cy="0"/>
+          <a:chOff x="0" y="0"/>
+          <a:chExt cx="0" cy="0"/>
+        </a:xfrm>
+      </p:grpSpPr>
+      <p:sp>
+        <p:nvSpPr>
+          <p:cNvPr id="2" name="Slide Image Placeholder 1"/>
+          <p:cNvSpPr>
+            <a:spLocks noGrp="1" noRot="1" noChangeAspect="1"/>
+          </p:cNvSpPr>
+          <p:nvPr>
+            <p:ph type="sldImg"/>
+          </p:nvPr>
+        </p:nvSpPr>
+        <p:spPr/>
+      </p:sp>
+      <p:sp>
+        <p:nvSpPr>
+          <p:cNvPr id="3" name="Notes Placeholder 2"/>
+          <p:cNvSpPr>
+            <a:spLocks noGrp="1"/>
+          </p:cNvSpPr>
+          <p:nvPr>
+            <p:ph type="body" idx="1"/>
+          </p:nvPr>
+        </p:nvSpPr>
+        <p:spPr/>
+        <p:txBody>
+          <a:bodyPr/>
+          <a:lstStyle/>
+          <a:p>
+            <a:r>
+              <a:rPr lang="en-US" dirty="0"/>
+              <a:t>Validate each module config with corresponding schema</a:t>
+            </a:r>
+          </a:p>
+          <a:p>
+            <a:r>
+              <a:rPr lang="en-US" dirty="0"/>
+              <a:t>Validate </a:t>
+            </a:r>
+            <a:r>
+              <a:rPr lang="en-US" dirty="0" err="1"/>
+              <a:t>globalConfig</a:t>
+            </a:r>
+            <a:r>
+              <a:rPr lang="en-US" dirty="0"/>
+              <a:t> with all schemas.</a:t>
+            </a:r>
+          </a:p>
+          <a:p>
+            <a:r>
+              <a:rPr lang="en-US" dirty="0"/>
+              <a:t>Validate each dependency module config with all corresponding schemas.</a:t>
+            </a:r>
+          </a:p>
+          <a:p>
+            <a:endParaRPr lang="en-US" dirty="0"/>
+          </a:p>
+          <a:p>
+            <a:r>
+              <a:rPr lang="en-US" dirty="0"/>
+              <a:t>Allow default value </a:t>
+            </a:r>
+          </a:p>
+          <a:p>
+            <a:pPr marL="0" marR="0" lvl="0" indent="0" algn="l" defTabSz="914400" rtl="0" eaLnBrk="1" fontAlgn="auto" latinLnBrk="0" hangingPunct="1">
+              <a:lnSpc>
+                <a:spcPct val="100000"/>
+              </a:lnSpc>
+              <a:spcBef>
+                <a:spcPts val="0"/>
+              </a:spcBef>
+              <a:spcAft>
+                <a:spcPts val="0"/>
+              </a:spcAft>
+              <a:buClrTx/>
+              <a:buSzTx/>
+              <a:buFontTx/>
+              <a:buNone/>
+              <a:tabLst/>
+              <a:defRPr/>
+            </a:pPr>
+            <a:r>
+              <a:rPr lang="en-US" dirty="0"/>
+              <a:t>Only submodule appears in config will be processed</a:t>
+            </a:r>
+          </a:p>
+          <a:p>
+            <a:endParaRPr lang="en-US" dirty="0"/>
+          </a:p>
+          <a:p>
+            <a:endParaRPr lang="en-US" dirty="0"/>
+          </a:p>
+        </p:txBody>
+      </p:sp>
+      <p:sp>
+        <p:nvSpPr>
+          <p:cNvPr id="4" name="Slide Number Placeholder 3"/>
+          <p:cNvSpPr>
+            <a:spLocks noGrp="1"/>
+          </p:cNvSpPr>
+          <p:nvPr>
+            <p:ph type="sldNum" sz="quarter" idx="5"/>
+          </p:nvPr>
+        </p:nvSpPr>
+        <p:spPr/>
+        <p:txBody>
+          <a:bodyPr/>
+          <a:lstStyle/>
+          <a:p>
+            <a:fld id="{88FC15C4-DDFD-44C8-AACF-12CBDCF5AD25}" type="slidenum">
+              <a:rPr lang="en-US" smtClean="0"/>
+              <a:t>14</a:t>
+            </a:fld>
+            <a:endParaRPr lang="en-US"/>
+          </a:p>
+        </p:txBody>
+      </p:sp>
+    </p:spTree>
+    <p:extLst>
+      <p:ext uri="{BB962C8B-B14F-4D97-AF65-F5344CB8AC3E}">
+        <p14:creationId xmlns:p14="http://schemas.microsoft.com/office/powerpoint/2010/main" val="1063550354"/>
+      </p:ext>
+    </p:extLst>
+  </p:cSld>
+  <p:clrMapOvr>
+    <a:masterClrMapping/>
+  </p:clrMapOvr>
+</p:notes>
+</file>
+
 <file path=ppt/notesSlides/notesSlide2.xml><?xml version="1.0" encoding="utf-8"?>
 <p:notes xmlns:a="http://schemas.openxmlformats.org/drawingml/2006/main" xmlns:r="http://schemas.openxmlformats.org/officeDocument/2006/relationships" xmlns:p="http://schemas.openxmlformats.org/presentationml/2006/main">
   <p:cSld>
@@ -1176,6 +1764,586 @@
             <a:fld id="{88FC15C4-DDFD-44C8-AACF-12CBDCF5AD25}" type="slidenum">
               <a:rPr lang="en-US" smtClean="0"/>
               <a:t>6</a:t>
+            </a:fld>
+            <a:endParaRPr lang="en-US"/>
+          </a:p>
+        </p:txBody>
+      </p:sp>
+    </p:spTree>
+    <p:extLst>
+      <p:ext uri="{BB962C8B-B14F-4D97-AF65-F5344CB8AC3E}">
+        <p14:creationId xmlns:p14="http://schemas.microsoft.com/office/powerpoint/2010/main" val="1063550354"/>
+      </p:ext>
+    </p:extLst>
+  </p:cSld>
+  <p:clrMapOvr>
+    <a:masterClrMapping/>
+  </p:clrMapOvr>
+</p:notes>
+</file>
+
+<file path=ppt/notesSlides/notesSlide6.xml><?xml version="1.0" encoding="utf-8"?>
+<p:notes xmlns:a="http://schemas.openxmlformats.org/drawingml/2006/main" xmlns:r="http://schemas.openxmlformats.org/officeDocument/2006/relationships" xmlns:p="http://schemas.openxmlformats.org/presentationml/2006/main">
+  <p:cSld>
+    <p:spTree>
+      <p:nvGrpSpPr>
+        <p:cNvPr id="1" name=""/>
+        <p:cNvGrpSpPr/>
+        <p:nvPr/>
+      </p:nvGrpSpPr>
+      <p:grpSpPr>
+        <a:xfrm>
+          <a:off x="0" y="0"/>
+          <a:ext cx="0" cy="0"/>
+          <a:chOff x="0" y="0"/>
+          <a:chExt cx="0" cy="0"/>
+        </a:xfrm>
+      </p:grpSpPr>
+      <p:sp>
+        <p:nvSpPr>
+          <p:cNvPr id="2" name="Slide Image Placeholder 1"/>
+          <p:cNvSpPr>
+            <a:spLocks noGrp="1" noRot="1" noChangeAspect="1"/>
+          </p:cNvSpPr>
+          <p:nvPr>
+            <p:ph type="sldImg"/>
+          </p:nvPr>
+        </p:nvSpPr>
+        <p:spPr/>
+      </p:sp>
+      <p:sp>
+        <p:nvSpPr>
+          <p:cNvPr id="3" name="Notes Placeholder 2"/>
+          <p:cNvSpPr>
+            <a:spLocks noGrp="1"/>
+          </p:cNvSpPr>
+          <p:nvPr>
+            <p:ph type="body" idx="1"/>
+          </p:nvPr>
+        </p:nvSpPr>
+        <p:spPr/>
+        <p:txBody>
+          <a:bodyPr/>
+          <a:lstStyle/>
+          <a:p>
+            <a:r>
+              <a:rPr lang="en-US" dirty="0"/>
+              <a:t>Validate each module config with corresponding schema</a:t>
+            </a:r>
+          </a:p>
+          <a:p>
+            <a:r>
+              <a:rPr lang="en-US" dirty="0"/>
+              <a:t>Validate </a:t>
+            </a:r>
+            <a:r>
+              <a:rPr lang="en-US" dirty="0" err="1"/>
+              <a:t>globalConfig</a:t>
+            </a:r>
+            <a:r>
+              <a:rPr lang="en-US" dirty="0"/>
+              <a:t> with all schemas.</a:t>
+            </a:r>
+          </a:p>
+          <a:p>
+            <a:r>
+              <a:rPr lang="en-US" dirty="0"/>
+              <a:t>Validate each dependency module config with all corresponding schemas.</a:t>
+            </a:r>
+          </a:p>
+          <a:p>
+            <a:endParaRPr lang="en-US" dirty="0"/>
+          </a:p>
+          <a:p>
+            <a:r>
+              <a:rPr lang="en-US" dirty="0"/>
+              <a:t>Allow default value </a:t>
+            </a:r>
+          </a:p>
+          <a:p>
+            <a:pPr marL="0" marR="0" lvl="0" indent="0" algn="l" defTabSz="914400" rtl="0" eaLnBrk="1" fontAlgn="auto" latinLnBrk="0" hangingPunct="1">
+              <a:lnSpc>
+                <a:spcPct val="100000"/>
+              </a:lnSpc>
+              <a:spcBef>
+                <a:spcPts val="0"/>
+              </a:spcBef>
+              <a:spcAft>
+                <a:spcPts val="0"/>
+              </a:spcAft>
+              <a:buClrTx/>
+              <a:buSzTx/>
+              <a:buFontTx/>
+              <a:buNone/>
+              <a:tabLst/>
+              <a:defRPr/>
+            </a:pPr>
+            <a:r>
+              <a:rPr lang="en-US" dirty="0"/>
+              <a:t>Only submodule appears in config will be processed</a:t>
+            </a:r>
+          </a:p>
+          <a:p>
+            <a:endParaRPr lang="en-US" dirty="0"/>
+          </a:p>
+          <a:p>
+            <a:endParaRPr lang="en-US" dirty="0"/>
+          </a:p>
+        </p:txBody>
+      </p:sp>
+      <p:sp>
+        <p:nvSpPr>
+          <p:cNvPr id="4" name="Slide Number Placeholder 3"/>
+          <p:cNvSpPr>
+            <a:spLocks noGrp="1"/>
+          </p:cNvSpPr>
+          <p:nvPr>
+            <p:ph type="sldNum" sz="quarter" idx="5"/>
+          </p:nvPr>
+        </p:nvSpPr>
+        <p:spPr/>
+        <p:txBody>
+          <a:bodyPr/>
+          <a:lstStyle/>
+          <a:p>
+            <a:fld id="{88FC15C4-DDFD-44C8-AACF-12CBDCF5AD25}" type="slidenum">
+              <a:rPr lang="en-US" smtClean="0"/>
+              <a:t>7</a:t>
+            </a:fld>
+            <a:endParaRPr lang="en-US"/>
+          </a:p>
+        </p:txBody>
+      </p:sp>
+    </p:spTree>
+    <p:extLst>
+      <p:ext uri="{BB962C8B-B14F-4D97-AF65-F5344CB8AC3E}">
+        <p14:creationId xmlns:p14="http://schemas.microsoft.com/office/powerpoint/2010/main" val="1063550354"/>
+      </p:ext>
+    </p:extLst>
+  </p:cSld>
+  <p:clrMapOvr>
+    <a:masterClrMapping/>
+  </p:clrMapOvr>
+</p:notes>
+</file>
+
+<file path=ppt/notesSlides/notesSlide7.xml><?xml version="1.0" encoding="utf-8"?>
+<p:notes xmlns:a="http://schemas.openxmlformats.org/drawingml/2006/main" xmlns:r="http://schemas.openxmlformats.org/officeDocument/2006/relationships" xmlns:p="http://schemas.openxmlformats.org/presentationml/2006/main">
+  <p:cSld>
+    <p:spTree>
+      <p:nvGrpSpPr>
+        <p:cNvPr id="1" name=""/>
+        <p:cNvGrpSpPr/>
+        <p:nvPr/>
+      </p:nvGrpSpPr>
+      <p:grpSpPr>
+        <a:xfrm>
+          <a:off x="0" y="0"/>
+          <a:ext cx="0" cy="0"/>
+          <a:chOff x="0" y="0"/>
+          <a:chExt cx="0" cy="0"/>
+        </a:xfrm>
+      </p:grpSpPr>
+      <p:sp>
+        <p:nvSpPr>
+          <p:cNvPr id="2" name="Slide Image Placeholder 1"/>
+          <p:cNvSpPr>
+            <a:spLocks noGrp="1" noRot="1" noChangeAspect="1"/>
+          </p:cNvSpPr>
+          <p:nvPr>
+            <p:ph type="sldImg"/>
+          </p:nvPr>
+        </p:nvSpPr>
+        <p:spPr/>
+      </p:sp>
+      <p:sp>
+        <p:nvSpPr>
+          <p:cNvPr id="3" name="Notes Placeholder 2"/>
+          <p:cNvSpPr>
+            <a:spLocks noGrp="1"/>
+          </p:cNvSpPr>
+          <p:nvPr>
+            <p:ph type="body" idx="1"/>
+          </p:nvPr>
+        </p:nvSpPr>
+        <p:spPr/>
+        <p:txBody>
+          <a:bodyPr/>
+          <a:lstStyle/>
+          <a:p>
+            <a:r>
+              <a:rPr lang="en-US" dirty="0"/>
+              <a:t>Validate each module config with corresponding schema</a:t>
+            </a:r>
+          </a:p>
+          <a:p>
+            <a:r>
+              <a:rPr lang="en-US" dirty="0"/>
+              <a:t>Validate </a:t>
+            </a:r>
+            <a:r>
+              <a:rPr lang="en-US" dirty="0" err="1"/>
+              <a:t>globalConfig</a:t>
+            </a:r>
+            <a:r>
+              <a:rPr lang="en-US" dirty="0"/>
+              <a:t> with all schemas.</a:t>
+            </a:r>
+          </a:p>
+          <a:p>
+            <a:r>
+              <a:rPr lang="en-US" dirty="0"/>
+              <a:t>Validate each dependency module config with all corresponding schemas.</a:t>
+            </a:r>
+          </a:p>
+          <a:p>
+            <a:endParaRPr lang="en-US" dirty="0"/>
+          </a:p>
+          <a:p>
+            <a:r>
+              <a:rPr lang="en-US" dirty="0"/>
+              <a:t>Allow default value </a:t>
+            </a:r>
+          </a:p>
+          <a:p>
+            <a:pPr marL="0" marR="0" lvl="0" indent="0" algn="l" defTabSz="914400" rtl="0" eaLnBrk="1" fontAlgn="auto" latinLnBrk="0" hangingPunct="1">
+              <a:lnSpc>
+                <a:spcPct val="100000"/>
+              </a:lnSpc>
+              <a:spcBef>
+                <a:spcPts val="0"/>
+              </a:spcBef>
+              <a:spcAft>
+                <a:spcPts val="0"/>
+              </a:spcAft>
+              <a:buClrTx/>
+              <a:buSzTx/>
+              <a:buFontTx/>
+              <a:buNone/>
+              <a:tabLst/>
+              <a:defRPr/>
+            </a:pPr>
+            <a:r>
+              <a:rPr lang="en-US" dirty="0"/>
+              <a:t>Only submodule appears in config will be processed</a:t>
+            </a:r>
+          </a:p>
+          <a:p>
+            <a:endParaRPr lang="en-US" dirty="0"/>
+          </a:p>
+          <a:p>
+            <a:endParaRPr lang="en-US" dirty="0"/>
+          </a:p>
+        </p:txBody>
+      </p:sp>
+      <p:sp>
+        <p:nvSpPr>
+          <p:cNvPr id="4" name="Slide Number Placeholder 3"/>
+          <p:cNvSpPr>
+            <a:spLocks noGrp="1"/>
+          </p:cNvSpPr>
+          <p:nvPr>
+            <p:ph type="sldNum" sz="quarter" idx="5"/>
+          </p:nvPr>
+        </p:nvSpPr>
+        <p:spPr/>
+        <p:txBody>
+          <a:bodyPr/>
+          <a:lstStyle/>
+          <a:p>
+            <a:fld id="{88FC15C4-DDFD-44C8-AACF-12CBDCF5AD25}" type="slidenum">
+              <a:rPr lang="en-US" smtClean="0"/>
+              <a:t>8</a:t>
+            </a:fld>
+            <a:endParaRPr lang="en-US"/>
+          </a:p>
+        </p:txBody>
+      </p:sp>
+    </p:spTree>
+    <p:extLst>
+      <p:ext uri="{BB962C8B-B14F-4D97-AF65-F5344CB8AC3E}">
+        <p14:creationId xmlns:p14="http://schemas.microsoft.com/office/powerpoint/2010/main" val="1063550354"/>
+      </p:ext>
+    </p:extLst>
+  </p:cSld>
+  <p:clrMapOvr>
+    <a:masterClrMapping/>
+  </p:clrMapOvr>
+</p:notes>
+</file>
+
+<file path=ppt/notesSlides/notesSlide8.xml><?xml version="1.0" encoding="utf-8"?>
+<p:notes xmlns:a="http://schemas.openxmlformats.org/drawingml/2006/main" xmlns:r="http://schemas.openxmlformats.org/officeDocument/2006/relationships" xmlns:p="http://schemas.openxmlformats.org/presentationml/2006/main">
+  <p:cSld>
+    <p:spTree>
+      <p:nvGrpSpPr>
+        <p:cNvPr id="1" name=""/>
+        <p:cNvGrpSpPr/>
+        <p:nvPr/>
+      </p:nvGrpSpPr>
+      <p:grpSpPr>
+        <a:xfrm>
+          <a:off x="0" y="0"/>
+          <a:ext cx="0" cy="0"/>
+          <a:chOff x="0" y="0"/>
+          <a:chExt cx="0" cy="0"/>
+        </a:xfrm>
+      </p:grpSpPr>
+      <p:sp>
+        <p:nvSpPr>
+          <p:cNvPr id="2" name="Slide Image Placeholder 1"/>
+          <p:cNvSpPr>
+            <a:spLocks noGrp="1" noRot="1" noChangeAspect="1"/>
+          </p:cNvSpPr>
+          <p:nvPr>
+            <p:ph type="sldImg"/>
+          </p:nvPr>
+        </p:nvSpPr>
+        <p:spPr/>
+      </p:sp>
+      <p:sp>
+        <p:nvSpPr>
+          <p:cNvPr id="3" name="Notes Placeholder 2"/>
+          <p:cNvSpPr>
+            <a:spLocks noGrp="1"/>
+          </p:cNvSpPr>
+          <p:nvPr>
+            <p:ph type="body" idx="1"/>
+          </p:nvPr>
+        </p:nvSpPr>
+        <p:spPr/>
+        <p:txBody>
+          <a:bodyPr/>
+          <a:lstStyle/>
+          <a:p>
+            <a:r>
+              <a:rPr lang="en-US" dirty="0"/>
+              <a:t>Validate each module config with corresponding schema</a:t>
+            </a:r>
+          </a:p>
+          <a:p>
+            <a:r>
+              <a:rPr lang="en-US" dirty="0"/>
+              <a:t>Validate </a:t>
+            </a:r>
+            <a:r>
+              <a:rPr lang="en-US" dirty="0" err="1"/>
+              <a:t>globalConfig</a:t>
+            </a:r>
+            <a:r>
+              <a:rPr lang="en-US" dirty="0"/>
+              <a:t> with all schemas.</a:t>
+            </a:r>
+          </a:p>
+          <a:p>
+            <a:r>
+              <a:rPr lang="en-US" dirty="0"/>
+              <a:t>Validate each dependency module config with all corresponding schemas.</a:t>
+            </a:r>
+          </a:p>
+          <a:p>
+            <a:endParaRPr lang="en-US" dirty="0"/>
+          </a:p>
+          <a:p>
+            <a:r>
+              <a:rPr lang="en-US" dirty="0"/>
+              <a:t>Allow default value </a:t>
+            </a:r>
+          </a:p>
+          <a:p>
+            <a:pPr marL="0" marR="0" lvl="0" indent="0" algn="l" defTabSz="914400" rtl="0" eaLnBrk="1" fontAlgn="auto" latinLnBrk="0" hangingPunct="1">
+              <a:lnSpc>
+                <a:spcPct val="100000"/>
+              </a:lnSpc>
+              <a:spcBef>
+                <a:spcPts val="0"/>
+              </a:spcBef>
+              <a:spcAft>
+                <a:spcPts val="0"/>
+              </a:spcAft>
+              <a:buClrTx/>
+              <a:buSzTx/>
+              <a:buFontTx/>
+              <a:buNone/>
+              <a:tabLst/>
+              <a:defRPr/>
+            </a:pPr>
+            <a:r>
+              <a:rPr lang="en-US" dirty="0"/>
+              <a:t>Only submodule appears in config will be processed</a:t>
+            </a:r>
+          </a:p>
+          <a:p>
+            <a:endParaRPr lang="en-US" dirty="0"/>
+          </a:p>
+          <a:p>
+            <a:endParaRPr lang="en-US" dirty="0"/>
+          </a:p>
+        </p:txBody>
+      </p:sp>
+      <p:sp>
+        <p:nvSpPr>
+          <p:cNvPr id="4" name="Slide Number Placeholder 3"/>
+          <p:cNvSpPr>
+            <a:spLocks noGrp="1"/>
+          </p:cNvSpPr>
+          <p:nvPr>
+            <p:ph type="sldNum" sz="quarter" idx="5"/>
+          </p:nvPr>
+        </p:nvSpPr>
+        <p:spPr/>
+        <p:txBody>
+          <a:bodyPr/>
+          <a:lstStyle/>
+          <a:p>
+            <a:fld id="{88FC15C4-DDFD-44C8-AACF-12CBDCF5AD25}" type="slidenum">
+              <a:rPr lang="en-US" smtClean="0"/>
+              <a:t>9</a:t>
+            </a:fld>
+            <a:endParaRPr lang="en-US"/>
+          </a:p>
+        </p:txBody>
+      </p:sp>
+    </p:spTree>
+    <p:extLst>
+      <p:ext uri="{BB962C8B-B14F-4D97-AF65-F5344CB8AC3E}">
+        <p14:creationId xmlns:p14="http://schemas.microsoft.com/office/powerpoint/2010/main" val="1063550354"/>
+      </p:ext>
+    </p:extLst>
+  </p:cSld>
+  <p:clrMapOvr>
+    <a:masterClrMapping/>
+  </p:clrMapOvr>
+</p:notes>
+</file>
+
+<file path=ppt/notesSlides/notesSlide9.xml><?xml version="1.0" encoding="utf-8"?>
+<p:notes xmlns:a="http://schemas.openxmlformats.org/drawingml/2006/main" xmlns:r="http://schemas.openxmlformats.org/officeDocument/2006/relationships" xmlns:p="http://schemas.openxmlformats.org/presentationml/2006/main">
+  <p:cSld>
+    <p:spTree>
+      <p:nvGrpSpPr>
+        <p:cNvPr id="1" name=""/>
+        <p:cNvGrpSpPr/>
+        <p:nvPr/>
+      </p:nvGrpSpPr>
+      <p:grpSpPr>
+        <a:xfrm>
+          <a:off x="0" y="0"/>
+          <a:ext cx="0" cy="0"/>
+          <a:chOff x="0" y="0"/>
+          <a:chExt cx="0" cy="0"/>
+        </a:xfrm>
+      </p:grpSpPr>
+      <p:sp>
+        <p:nvSpPr>
+          <p:cNvPr id="2" name="Slide Image Placeholder 1"/>
+          <p:cNvSpPr>
+            <a:spLocks noGrp="1" noRot="1" noChangeAspect="1"/>
+          </p:cNvSpPr>
+          <p:nvPr>
+            <p:ph type="sldImg"/>
+          </p:nvPr>
+        </p:nvSpPr>
+        <p:spPr/>
+      </p:sp>
+      <p:sp>
+        <p:nvSpPr>
+          <p:cNvPr id="3" name="Notes Placeholder 2"/>
+          <p:cNvSpPr>
+            <a:spLocks noGrp="1"/>
+          </p:cNvSpPr>
+          <p:nvPr>
+            <p:ph type="body" idx="1"/>
+          </p:nvPr>
+        </p:nvSpPr>
+        <p:spPr/>
+        <p:txBody>
+          <a:bodyPr/>
+          <a:lstStyle/>
+          <a:p>
+            <a:r>
+              <a:rPr lang="en-US" dirty="0"/>
+              <a:t>Validate each module config with corresponding schema</a:t>
+            </a:r>
+          </a:p>
+          <a:p>
+            <a:r>
+              <a:rPr lang="en-US" dirty="0"/>
+              <a:t>Validate </a:t>
+            </a:r>
+            <a:r>
+              <a:rPr lang="en-US" dirty="0" err="1"/>
+              <a:t>globalConfig</a:t>
+            </a:r>
+            <a:r>
+              <a:rPr lang="en-US" dirty="0"/>
+              <a:t> with all schemas.</a:t>
+            </a:r>
+          </a:p>
+          <a:p>
+            <a:r>
+              <a:rPr lang="en-US" dirty="0"/>
+              <a:t>Validate each dependency module config with all corresponding schemas.</a:t>
+            </a:r>
+          </a:p>
+          <a:p>
+            <a:endParaRPr lang="en-US" dirty="0"/>
+          </a:p>
+          <a:p>
+            <a:r>
+              <a:rPr lang="en-US" dirty="0"/>
+              <a:t>Allow default value </a:t>
+            </a:r>
+          </a:p>
+          <a:p>
+            <a:pPr marL="0" marR="0" lvl="0" indent="0" algn="l" defTabSz="914400" rtl="0" eaLnBrk="1" fontAlgn="auto" latinLnBrk="0" hangingPunct="1">
+              <a:lnSpc>
+                <a:spcPct val="100000"/>
+              </a:lnSpc>
+              <a:spcBef>
+                <a:spcPts val="0"/>
+              </a:spcBef>
+              <a:spcAft>
+                <a:spcPts val="0"/>
+              </a:spcAft>
+              <a:buClrTx/>
+              <a:buSzTx/>
+              <a:buFontTx/>
+              <a:buNone/>
+              <a:tabLst/>
+              <a:defRPr/>
+            </a:pPr>
+            <a:r>
+              <a:rPr lang="en-US" dirty="0"/>
+              <a:t>Only submodule appears in config will be processed</a:t>
+            </a:r>
+          </a:p>
+          <a:p>
+            <a:endParaRPr lang="en-US" dirty="0"/>
+          </a:p>
+          <a:p>
+            <a:endParaRPr lang="en-US" dirty="0"/>
+          </a:p>
+        </p:txBody>
+      </p:sp>
+      <p:sp>
+        <p:nvSpPr>
+          <p:cNvPr id="4" name="Slide Number Placeholder 3"/>
+          <p:cNvSpPr>
+            <a:spLocks noGrp="1"/>
+          </p:cNvSpPr>
+          <p:nvPr>
+            <p:ph type="sldNum" sz="quarter" idx="5"/>
+          </p:nvPr>
+        </p:nvSpPr>
+        <p:spPr/>
+        <p:txBody>
+          <a:bodyPr/>
+          <a:lstStyle/>
+          <a:p>
+            <a:fld id="{88FC15C4-DDFD-44C8-AACF-12CBDCF5AD25}" type="slidenum">
+              <a:rPr lang="en-US" smtClean="0"/>
+              <a:t>10</a:t>
             </a:fld>
             <a:endParaRPr lang="en-US"/>
           </a:p>
@@ -1341,7 +2509,7 @@
           <a:p>
             <a:fld id="{7F3AA5AE-2BBD-486C-A206-E2BAEB185B0F}" type="datetimeFigureOut">
               <a:rPr lang="en-US" smtClean="0"/>
-              <a:t>6/1/2020</a:t>
+              <a:t>6/2/2020</a:t>
             </a:fld>
             <a:endParaRPr lang="en-US"/>
           </a:p>
@@ -1539,7 +2707,7 @@
           <a:p>
             <a:fld id="{7F3AA5AE-2BBD-486C-A206-E2BAEB185B0F}" type="datetimeFigureOut">
               <a:rPr lang="en-US" smtClean="0"/>
-              <a:t>6/1/2020</a:t>
+              <a:t>6/2/2020</a:t>
             </a:fld>
             <a:endParaRPr lang="en-US"/>
           </a:p>
@@ -1747,7 +2915,7 @@
           <a:p>
             <a:fld id="{7F3AA5AE-2BBD-486C-A206-E2BAEB185B0F}" type="datetimeFigureOut">
               <a:rPr lang="en-US" smtClean="0"/>
-              <a:t>6/1/2020</a:t>
+              <a:t>6/2/2020</a:t>
             </a:fld>
             <a:endParaRPr lang="en-US"/>
           </a:p>
@@ -1945,7 +3113,7 @@
           <a:p>
             <a:fld id="{7F3AA5AE-2BBD-486C-A206-E2BAEB185B0F}" type="datetimeFigureOut">
               <a:rPr lang="en-US" smtClean="0"/>
-              <a:t>6/1/2020</a:t>
+              <a:t>6/2/2020</a:t>
             </a:fld>
             <a:endParaRPr lang="en-US"/>
           </a:p>
@@ -2220,7 +3388,7 @@
           <a:p>
             <a:fld id="{7F3AA5AE-2BBD-486C-A206-E2BAEB185B0F}" type="datetimeFigureOut">
               <a:rPr lang="en-US" smtClean="0"/>
-              <a:t>6/1/2020</a:t>
+              <a:t>6/2/2020</a:t>
             </a:fld>
             <a:endParaRPr lang="en-US"/>
           </a:p>
@@ -2485,7 +3653,7 @@
           <a:p>
             <a:fld id="{7F3AA5AE-2BBD-486C-A206-E2BAEB185B0F}" type="datetimeFigureOut">
               <a:rPr lang="en-US" smtClean="0"/>
-              <a:t>6/1/2020</a:t>
+              <a:t>6/2/2020</a:t>
             </a:fld>
             <a:endParaRPr lang="en-US"/>
           </a:p>
@@ -2897,7 +4065,7 @@
           <a:p>
             <a:fld id="{7F3AA5AE-2BBD-486C-A206-E2BAEB185B0F}" type="datetimeFigureOut">
               <a:rPr lang="en-US" smtClean="0"/>
-              <a:t>6/1/2020</a:t>
+              <a:t>6/2/2020</a:t>
             </a:fld>
             <a:endParaRPr lang="en-US"/>
           </a:p>
@@ -3038,7 +4206,7 @@
           <a:p>
             <a:fld id="{7F3AA5AE-2BBD-486C-A206-E2BAEB185B0F}" type="datetimeFigureOut">
               <a:rPr lang="en-US" smtClean="0"/>
-              <a:t>6/1/2020</a:t>
+              <a:t>6/2/2020</a:t>
             </a:fld>
             <a:endParaRPr lang="en-US"/>
           </a:p>
@@ -3151,7 +4319,7 @@
           <a:p>
             <a:fld id="{7F3AA5AE-2BBD-486C-A206-E2BAEB185B0F}" type="datetimeFigureOut">
               <a:rPr lang="en-US" smtClean="0"/>
-              <a:t>6/1/2020</a:t>
+              <a:t>6/2/2020</a:t>
             </a:fld>
             <a:endParaRPr lang="en-US"/>
           </a:p>
@@ -3462,7 +4630,7 @@
           <a:p>
             <a:fld id="{7F3AA5AE-2BBD-486C-A206-E2BAEB185B0F}" type="datetimeFigureOut">
               <a:rPr lang="en-US" smtClean="0"/>
-              <a:t>6/1/2020</a:t>
+              <a:t>6/2/2020</a:t>
             </a:fld>
             <a:endParaRPr lang="en-US"/>
           </a:p>
@@ -3750,7 +4918,7 @@
           <a:p>
             <a:fld id="{7F3AA5AE-2BBD-486C-A206-E2BAEB185B0F}" type="datetimeFigureOut">
               <a:rPr lang="en-US" smtClean="0"/>
-              <a:t>6/1/2020</a:t>
+              <a:t>6/2/2020</a:t>
             </a:fld>
             <a:endParaRPr lang="en-US"/>
           </a:p>
@@ -3991,7 +5159,7 @@
           <a:p>
             <a:fld id="{7F3AA5AE-2BBD-486C-A206-E2BAEB185B0F}" type="datetimeFigureOut">
               <a:rPr lang="en-US" smtClean="0"/>
-              <a:t>6/1/2020</a:t>
+              <a:t>6/2/2020</a:t>
             </a:fld>
             <a:endParaRPr lang="en-US"/>
           </a:p>
@@ -4471,7 +5639,7 @@
           <a:p>
             <a:r>
               <a:rPr lang="en-US" dirty="0"/>
-              <a:t>2020.6.1</a:t>
+              <a:t>2020.6.2</a:t>
             </a:r>
           </a:p>
         </p:txBody>
@@ -4480,6 +5648,1012 @@
     <p:extLst>
       <p:ext uri="{BB962C8B-B14F-4D97-AF65-F5344CB8AC3E}">
         <p14:creationId xmlns:p14="http://schemas.microsoft.com/office/powerpoint/2010/main" val="3723626927"/>
+      </p:ext>
+    </p:extLst>
+  </p:cSld>
+  <p:clrMapOvr>
+    <a:masterClrMapping/>
+  </p:clrMapOvr>
+</p:sld>
+</file>
+
+<file path=ppt/slides/slide10.xml><?xml version="1.0" encoding="utf-8"?>
+<p:sld xmlns:a="http://schemas.openxmlformats.org/drawingml/2006/main" xmlns:r="http://schemas.openxmlformats.org/officeDocument/2006/relationships" xmlns:p="http://schemas.openxmlformats.org/presentationml/2006/main">
+  <p:cSld>
+    <p:spTree>
+      <p:nvGrpSpPr>
+        <p:cNvPr id="1" name=""/>
+        <p:cNvGrpSpPr/>
+        <p:nvPr/>
+      </p:nvGrpSpPr>
+      <p:grpSpPr>
+        <a:xfrm>
+          <a:off x="0" y="0"/>
+          <a:ext cx="0" cy="0"/>
+          <a:chOff x="0" y="0"/>
+          <a:chExt cx="0" cy="0"/>
+        </a:xfrm>
+      </p:grpSpPr>
+      <p:sp>
+        <p:nvSpPr>
+          <p:cNvPr id="2" name="Title 1">
+            <a:extLst>
+              <a:ext uri="{FF2B5EF4-FFF2-40B4-BE49-F238E27FC236}">
+                <a16:creationId xmlns:a16="http://schemas.microsoft.com/office/drawing/2014/main" id="{6571E8E0-0A0E-4E1B-8309-AB5B65BB1716}"/>
+              </a:ext>
+            </a:extLst>
+          </p:cNvPr>
+          <p:cNvSpPr>
+            <a:spLocks noGrp="1"/>
+          </p:cNvSpPr>
+          <p:nvPr>
+            <p:ph type="title"/>
+          </p:nvPr>
+        </p:nvSpPr>
+        <p:spPr>
+          <a:xfrm>
+            <a:off x="419199" y="307968"/>
+            <a:ext cx="10515600" cy="819499"/>
+          </a:xfrm>
+        </p:spPr>
+        <p:txBody>
+          <a:bodyPr>
+            <a:normAutofit/>
+          </a:bodyPr>
+          <a:lstStyle/>
+          <a:p>
+            <a:r>
+              <a:rPr lang="en-US" sz="4000" dirty="0"/>
+              <a:t>User story – COVID 19 (Qiwei)</a:t>
+            </a:r>
+          </a:p>
+        </p:txBody>
+      </p:sp>
+      <p:sp>
+        <p:nvSpPr>
+          <p:cNvPr id="4" name="矩形 3">
+            <a:extLst>
+              <a:ext uri="{FF2B5EF4-FFF2-40B4-BE49-F238E27FC236}">
+                <a16:creationId xmlns:a16="http://schemas.microsoft.com/office/drawing/2014/main" id="{1CA11377-0F7D-4335-8A7B-E8FD3F186253}"/>
+              </a:ext>
+            </a:extLst>
+          </p:cNvPr>
+          <p:cNvSpPr/>
+          <p:nvPr/>
+        </p:nvSpPr>
+        <p:spPr>
+          <a:xfrm>
+            <a:off x="419198" y="1244783"/>
+            <a:ext cx="10515599" cy="3276282"/>
+          </a:xfrm>
+          <a:prstGeom prst="rect">
+            <a:avLst/>
+          </a:prstGeom>
+        </p:spPr>
+        <p:txBody>
+          <a:bodyPr wrap="square">
+            <a:spAutoFit/>
+          </a:bodyPr>
+          <a:lstStyle/>
+          <a:p>
+            <a:pPr marL="342900" indent="-342900">
+              <a:lnSpc>
+                <a:spcPct val="150000"/>
+              </a:lnSpc>
+              <a:buFont typeface="Arial" panose="020B0604020202020204" pitchFamily="34" charset="0"/>
+              <a:buChar char="•"/>
+            </a:pPr>
+            <a:r>
+              <a:rPr lang="en-US" sz="2000" dirty="0">
+                <a:solidFill>
+                  <a:srgbClr val="FF0000"/>
+                </a:solidFill>
+              </a:rPr>
+              <a:t>Data: dynamic change, share folder</a:t>
+            </a:r>
+          </a:p>
+          <a:p>
+            <a:pPr marL="342900" indent="-342900">
+              <a:lnSpc>
+                <a:spcPct val="150000"/>
+              </a:lnSpc>
+              <a:buFont typeface="Arial" panose="020B0604020202020204" pitchFamily="34" charset="0"/>
+              <a:buChar char="•"/>
+            </a:pPr>
+            <a:r>
+              <a:rPr lang="en-US" sz="2000" dirty="0">
+                <a:solidFill>
+                  <a:srgbClr val="FF0000"/>
+                </a:solidFill>
+              </a:rPr>
+              <a:t>Model: production model</a:t>
+            </a:r>
+          </a:p>
+          <a:p>
+            <a:pPr marL="342900" indent="-342900">
+              <a:lnSpc>
+                <a:spcPct val="150000"/>
+              </a:lnSpc>
+              <a:buFont typeface="Arial" panose="020B0604020202020204" pitchFamily="34" charset="0"/>
+              <a:buChar char="•"/>
+            </a:pPr>
+            <a:r>
+              <a:rPr lang="en-US" sz="2000" dirty="0"/>
+              <a:t>Put various COVID 19 datasets in data section as different components</a:t>
+            </a:r>
+          </a:p>
+          <a:p>
+            <a:pPr marL="342900" indent="-342900">
+              <a:lnSpc>
+                <a:spcPct val="150000"/>
+              </a:lnSpc>
+              <a:buFont typeface="Arial" panose="020B0604020202020204" pitchFamily="34" charset="0"/>
+              <a:buChar char="•"/>
+            </a:pPr>
+            <a:r>
+              <a:rPr lang="en-US" sz="2000" dirty="0"/>
+              <a:t>Researchers could save their model (code folder, git link, model file) in model section to share</a:t>
+            </a:r>
+          </a:p>
+          <a:p>
+            <a:pPr marL="342900" indent="-342900">
+              <a:lnSpc>
+                <a:spcPct val="150000"/>
+              </a:lnSpc>
+              <a:buFont typeface="Arial" panose="020B0604020202020204" pitchFamily="34" charset="0"/>
+              <a:buChar char="•"/>
+            </a:pPr>
+            <a:r>
+              <a:rPr lang="en-US" sz="2000" dirty="0"/>
+              <a:t>Docker image for training and inference</a:t>
+            </a:r>
+          </a:p>
+          <a:p>
+            <a:pPr marL="342900" indent="-342900">
+              <a:lnSpc>
+                <a:spcPct val="150000"/>
+              </a:lnSpc>
+              <a:buFont typeface="Arial" panose="020B0604020202020204" pitchFamily="34" charset="0"/>
+              <a:buChar char="•"/>
+            </a:pPr>
+            <a:r>
+              <a:rPr lang="en-US" sz="2000" dirty="0"/>
+              <a:t>Use a Job (platform)</a:t>
+            </a:r>
+          </a:p>
+          <a:p>
+            <a:pPr marL="342900" indent="-342900">
+              <a:lnSpc>
+                <a:spcPct val="150000"/>
+              </a:lnSpc>
+              <a:buFont typeface="Arial" panose="020B0604020202020204" pitchFamily="34" charset="0"/>
+              <a:buChar char="•"/>
+            </a:pPr>
+            <a:endParaRPr lang="en-US" sz="2000" dirty="0"/>
+          </a:p>
+        </p:txBody>
+      </p:sp>
+    </p:spTree>
+    <p:extLst>
+      <p:ext uri="{BB962C8B-B14F-4D97-AF65-F5344CB8AC3E}">
+        <p14:creationId xmlns:p14="http://schemas.microsoft.com/office/powerpoint/2010/main" val="3401872742"/>
+      </p:ext>
+    </p:extLst>
+  </p:cSld>
+  <p:clrMapOvr>
+    <a:masterClrMapping/>
+  </p:clrMapOvr>
+</p:sld>
+</file>
+
+<file path=ppt/slides/slide11.xml><?xml version="1.0" encoding="utf-8"?>
+<p:sld xmlns:a="http://schemas.openxmlformats.org/drawingml/2006/main" xmlns:r="http://schemas.openxmlformats.org/officeDocument/2006/relationships" xmlns:p="http://schemas.openxmlformats.org/presentationml/2006/main">
+  <p:cSld>
+    <p:spTree>
+      <p:nvGrpSpPr>
+        <p:cNvPr id="1" name=""/>
+        <p:cNvGrpSpPr/>
+        <p:nvPr/>
+      </p:nvGrpSpPr>
+      <p:grpSpPr>
+        <a:xfrm>
+          <a:off x="0" y="0"/>
+          <a:ext cx="0" cy="0"/>
+          <a:chOff x="0" y="0"/>
+          <a:chExt cx="0" cy="0"/>
+        </a:xfrm>
+      </p:grpSpPr>
+      <p:sp>
+        <p:nvSpPr>
+          <p:cNvPr id="2" name="Title 1">
+            <a:extLst>
+              <a:ext uri="{FF2B5EF4-FFF2-40B4-BE49-F238E27FC236}">
+                <a16:creationId xmlns:a16="http://schemas.microsoft.com/office/drawing/2014/main" id="{6571E8E0-0A0E-4E1B-8309-AB5B65BB1716}"/>
+              </a:ext>
+            </a:extLst>
+          </p:cNvPr>
+          <p:cNvSpPr>
+            <a:spLocks noGrp="1"/>
+          </p:cNvSpPr>
+          <p:nvPr>
+            <p:ph type="title"/>
+          </p:nvPr>
+        </p:nvSpPr>
+        <p:spPr>
+          <a:xfrm>
+            <a:off x="419199" y="307968"/>
+            <a:ext cx="10515600" cy="819499"/>
+          </a:xfrm>
+        </p:spPr>
+        <p:txBody>
+          <a:bodyPr>
+            <a:normAutofit/>
+          </a:bodyPr>
+          <a:lstStyle/>
+          <a:p>
+            <a:r>
+              <a:rPr lang="en-US" sz="4000" dirty="0"/>
+              <a:t>User story – </a:t>
+            </a:r>
+            <a:r>
+              <a:rPr lang="en-US" sz="4000" dirty="0" err="1"/>
+              <a:t>Yidian</a:t>
+            </a:r>
+            <a:r>
+              <a:rPr lang="en-US" sz="4000" dirty="0"/>
+              <a:t>(</a:t>
+            </a:r>
+            <a:r>
+              <a:rPr lang="en-US" sz="4000" dirty="0" err="1"/>
+              <a:t>yuqing</a:t>
+            </a:r>
+            <a:r>
+              <a:rPr lang="en-US" sz="4000" dirty="0"/>
+              <a:t>)</a:t>
+            </a:r>
+          </a:p>
+        </p:txBody>
+      </p:sp>
+      <p:sp>
+        <p:nvSpPr>
+          <p:cNvPr id="4" name="矩形 3">
+            <a:extLst>
+              <a:ext uri="{FF2B5EF4-FFF2-40B4-BE49-F238E27FC236}">
+                <a16:creationId xmlns:a16="http://schemas.microsoft.com/office/drawing/2014/main" id="{1CA11377-0F7D-4335-8A7B-E8FD3F186253}"/>
+              </a:ext>
+            </a:extLst>
+          </p:cNvPr>
+          <p:cNvSpPr/>
+          <p:nvPr/>
+        </p:nvSpPr>
+        <p:spPr>
+          <a:xfrm>
+            <a:off x="419198" y="1244783"/>
+            <a:ext cx="10515599" cy="2814617"/>
+          </a:xfrm>
+          <a:prstGeom prst="rect">
+            <a:avLst/>
+          </a:prstGeom>
+        </p:spPr>
+        <p:txBody>
+          <a:bodyPr wrap="square">
+            <a:spAutoFit/>
+          </a:bodyPr>
+          <a:lstStyle/>
+          <a:p>
+            <a:pPr marL="342900" indent="-342900">
+              <a:lnSpc>
+                <a:spcPct val="150000"/>
+              </a:lnSpc>
+              <a:buFont typeface="Arial" panose="020B0604020202020204" pitchFamily="34" charset="0"/>
+              <a:buChar char="•"/>
+            </a:pPr>
+            <a:r>
+              <a:rPr lang="en-US" sz="2000" dirty="0">
+                <a:solidFill>
+                  <a:srgbClr val="FF0000"/>
+                </a:solidFill>
+              </a:rPr>
+              <a:t>Job Clone: template, result validation, dashboard</a:t>
+            </a:r>
+          </a:p>
+          <a:p>
+            <a:pPr marL="342900" indent="-342900">
+              <a:lnSpc>
+                <a:spcPct val="150000"/>
+              </a:lnSpc>
+              <a:buFont typeface="Arial" panose="020B0604020202020204" pitchFamily="34" charset="0"/>
+              <a:buChar char="•"/>
+            </a:pPr>
+            <a:r>
+              <a:rPr lang="en-US" sz="2000" dirty="0">
+                <a:solidFill>
+                  <a:srgbClr val="FF0000"/>
+                </a:solidFill>
+              </a:rPr>
+              <a:t>10 experiments (topic)</a:t>
+            </a:r>
+          </a:p>
+          <a:p>
+            <a:pPr marL="342900" indent="-342900">
+              <a:lnSpc>
+                <a:spcPct val="150000"/>
+              </a:lnSpc>
+              <a:buFont typeface="Arial" panose="020B0604020202020204" pitchFamily="34" charset="0"/>
+              <a:buChar char="•"/>
+            </a:pPr>
+            <a:r>
+              <a:rPr lang="en-US" sz="2000" dirty="0">
+                <a:solidFill>
+                  <a:srgbClr val="FF0000"/>
+                </a:solidFill>
+              </a:rPr>
+              <a:t>Favorite</a:t>
+            </a:r>
+          </a:p>
+          <a:p>
+            <a:pPr marL="342900" indent="-342900">
+              <a:lnSpc>
+                <a:spcPct val="150000"/>
+              </a:lnSpc>
+              <a:buFont typeface="Arial" panose="020B0604020202020204" pitchFamily="34" charset="0"/>
+              <a:buChar char="•"/>
+            </a:pPr>
+            <a:r>
+              <a:rPr lang="en-US" sz="2000" dirty="0">
+                <a:solidFill>
+                  <a:srgbClr val="FF0000"/>
+                </a:solidFill>
+              </a:rPr>
+              <a:t>Like Kaggle contest</a:t>
+            </a:r>
+          </a:p>
+          <a:p>
+            <a:pPr marL="342900" indent="-342900">
+              <a:lnSpc>
+                <a:spcPct val="150000"/>
+              </a:lnSpc>
+              <a:buFont typeface="Arial" panose="020B0604020202020204" pitchFamily="34" charset="0"/>
+              <a:buChar char="•"/>
+            </a:pPr>
+            <a:r>
+              <a:rPr lang="en-US" sz="2000" dirty="0">
+                <a:solidFill>
+                  <a:srgbClr val="FF0000"/>
+                </a:solidFill>
+              </a:rPr>
+              <a:t>Multi cluster support ( type job template)</a:t>
+            </a:r>
+          </a:p>
+          <a:p>
+            <a:pPr marL="342900" indent="-342900">
+              <a:lnSpc>
+                <a:spcPct val="150000"/>
+              </a:lnSpc>
+              <a:buFont typeface="Arial" panose="020B0604020202020204" pitchFamily="34" charset="0"/>
+              <a:buChar char="•"/>
+            </a:pPr>
+            <a:r>
+              <a:rPr lang="en-US" sz="2000" dirty="0">
+                <a:solidFill>
+                  <a:srgbClr val="FF0000"/>
+                </a:solidFill>
+              </a:rPr>
+              <a:t>Diff from inter-cluster clone </a:t>
+            </a:r>
+          </a:p>
+        </p:txBody>
+      </p:sp>
+    </p:spTree>
+    <p:extLst>
+      <p:ext uri="{BB962C8B-B14F-4D97-AF65-F5344CB8AC3E}">
+        <p14:creationId xmlns:p14="http://schemas.microsoft.com/office/powerpoint/2010/main" val="1132741349"/>
+      </p:ext>
+    </p:extLst>
+  </p:cSld>
+  <p:clrMapOvr>
+    <a:masterClrMapping/>
+  </p:clrMapOvr>
+</p:sld>
+</file>
+
+<file path=ppt/slides/slide12.xml><?xml version="1.0" encoding="utf-8"?>
+<p:sld xmlns:a="http://schemas.openxmlformats.org/drawingml/2006/main" xmlns:r="http://schemas.openxmlformats.org/officeDocument/2006/relationships" xmlns:p="http://schemas.openxmlformats.org/presentationml/2006/main">
+  <p:cSld>
+    <p:spTree>
+      <p:nvGrpSpPr>
+        <p:cNvPr id="1" name=""/>
+        <p:cNvGrpSpPr/>
+        <p:nvPr/>
+      </p:nvGrpSpPr>
+      <p:grpSpPr>
+        <a:xfrm>
+          <a:off x="0" y="0"/>
+          <a:ext cx="0" cy="0"/>
+          <a:chOff x="0" y="0"/>
+          <a:chExt cx="0" cy="0"/>
+        </a:xfrm>
+      </p:grpSpPr>
+      <p:sp>
+        <p:nvSpPr>
+          <p:cNvPr id="2" name="Title 1">
+            <a:extLst>
+              <a:ext uri="{FF2B5EF4-FFF2-40B4-BE49-F238E27FC236}">
+                <a16:creationId xmlns:a16="http://schemas.microsoft.com/office/drawing/2014/main" id="{6571E8E0-0A0E-4E1B-8309-AB5B65BB1716}"/>
+              </a:ext>
+            </a:extLst>
+          </p:cNvPr>
+          <p:cNvSpPr>
+            <a:spLocks noGrp="1"/>
+          </p:cNvSpPr>
+          <p:nvPr>
+            <p:ph type="title"/>
+          </p:nvPr>
+        </p:nvSpPr>
+        <p:spPr>
+          <a:xfrm>
+            <a:off x="419199" y="307968"/>
+            <a:ext cx="10515600" cy="819499"/>
+          </a:xfrm>
+        </p:spPr>
+        <p:txBody>
+          <a:bodyPr>
+            <a:normAutofit/>
+          </a:bodyPr>
+          <a:lstStyle/>
+          <a:p>
+            <a:r>
+              <a:rPr lang="en-US" sz="4000" dirty="0"/>
+              <a:t>Discussion</a:t>
+            </a:r>
+          </a:p>
+        </p:txBody>
+      </p:sp>
+      <p:sp>
+        <p:nvSpPr>
+          <p:cNvPr id="7" name="矩形 6">
+            <a:extLst>
+              <a:ext uri="{FF2B5EF4-FFF2-40B4-BE49-F238E27FC236}">
+                <a16:creationId xmlns:a16="http://schemas.microsoft.com/office/drawing/2014/main" id="{788801D9-CD8E-474E-8CBA-F934C721BAEC}"/>
+              </a:ext>
+            </a:extLst>
+          </p:cNvPr>
+          <p:cNvSpPr/>
+          <p:nvPr/>
+        </p:nvSpPr>
+        <p:spPr>
+          <a:xfrm>
+            <a:off x="419199" y="1311895"/>
+            <a:ext cx="9932816" cy="2814617"/>
+          </a:xfrm>
+          <a:prstGeom prst="rect">
+            <a:avLst/>
+          </a:prstGeom>
+        </p:spPr>
+        <p:txBody>
+          <a:bodyPr wrap="square">
+            <a:spAutoFit/>
+          </a:bodyPr>
+          <a:lstStyle/>
+          <a:p>
+            <a:pPr marL="342900" indent="-342900">
+              <a:lnSpc>
+                <a:spcPct val="150000"/>
+              </a:lnSpc>
+              <a:buFont typeface="Arial" panose="020B0604020202020204" pitchFamily="34" charset="0"/>
+              <a:buChar char="•"/>
+            </a:pPr>
+            <a:r>
+              <a:rPr lang="en-US" sz="2000" dirty="0"/>
+              <a:t>Frontend UI: Embedded or Standalone</a:t>
+            </a:r>
+          </a:p>
+          <a:p>
+            <a:pPr>
+              <a:lnSpc>
+                <a:spcPct val="150000"/>
+              </a:lnSpc>
+            </a:pPr>
+            <a:r>
+              <a:rPr lang="en-US" sz="2000" dirty="0"/>
+              <a:t>      Issues if embedded:</a:t>
+            </a:r>
+          </a:p>
+          <a:p>
+            <a:pPr marL="342900" indent="-342900">
+              <a:lnSpc>
+                <a:spcPct val="150000"/>
+              </a:lnSpc>
+              <a:buFont typeface="Arial" panose="020B0604020202020204" pitchFamily="34" charset="0"/>
+              <a:buChar char="•"/>
+            </a:pPr>
+            <a:r>
+              <a:rPr lang="en-US" sz="2000" dirty="0"/>
+              <a:t>Using </a:t>
+            </a:r>
+            <a:r>
+              <a:rPr lang="en-US" sz="2000" dirty="0" err="1"/>
+              <a:t>pai</a:t>
+            </a:r>
+            <a:r>
+              <a:rPr lang="en-US" sz="2000" dirty="0"/>
+              <a:t> auth and user management</a:t>
+            </a:r>
+          </a:p>
+          <a:p>
+            <a:pPr marL="342900" indent="-342900">
+              <a:lnSpc>
+                <a:spcPct val="150000"/>
+              </a:lnSpc>
+              <a:buFont typeface="Arial" panose="020B0604020202020204" pitchFamily="34" charset="0"/>
+              <a:buChar char="•"/>
+            </a:pPr>
+            <a:r>
+              <a:rPr lang="en-US" sz="2000" dirty="0"/>
+              <a:t>Multi platform support</a:t>
+            </a:r>
+          </a:p>
+          <a:p>
+            <a:pPr>
+              <a:lnSpc>
+                <a:spcPct val="150000"/>
+              </a:lnSpc>
+            </a:pPr>
+            <a:r>
+              <a:rPr lang="en-US" sz="2000" dirty="0"/>
+              <a:t>      </a:t>
+            </a:r>
+          </a:p>
+          <a:p>
+            <a:pPr>
+              <a:lnSpc>
+                <a:spcPct val="150000"/>
+              </a:lnSpc>
+            </a:pPr>
+            <a:r>
+              <a:rPr lang="en-US" sz="2000" dirty="0"/>
+              <a:t>      </a:t>
+            </a:r>
+          </a:p>
+        </p:txBody>
+      </p:sp>
+    </p:spTree>
+    <p:extLst>
+      <p:ext uri="{BB962C8B-B14F-4D97-AF65-F5344CB8AC3E}">
+        <p14:creationId xmlns:p14="http://schemas.microsoft.com/office/powerpoint/2010/main" val="1360651626"/>
+      </p:ext>
+    </p:extLst>
+  </p:cSld>
+  <p:clrMapOvr>
+    <a:masterClrMapping/>
+  </p:clrMapOvr>
+</p:sld>
+</file>
+
+<file path=ppt/slides/slide13.xml><?xml version="1.0" encoding="utf-8"?>
+<p:sld xmlns:a="http://schemas.openxmlformats.org/drawingml/2006/main" xmlns:r="http://schemas.openxmlformats.org/officeDocument/2006/relationships" xmlns:p="http://schemas.openxmlformats.org/presentationml/2006/main">
+  <p:cSld>
+    <p:spTree>
+      <p:nvGrpSpPr>
+        <p:cNvPr id="1" name=""/>
+        <p:cNvGrpSpPr/>
+        <p:nvPr/>
+      </p:nvGrpSpPr>
+      <p:grpSpPr>
+        <a:xfrm>
+          <a:off x="0" y="0"/>
+          <a:ext cx="0" cy="0"/>
+          <a:chOff x="0" y="0"/>
+          <a:chExt cx="0" cy="0"/>
+        </a:xfrm>
+      </p:grpSpPr>
+      <p:sp>
+        <p:nvSpPr>
+          <p:cNvPr id="2" name="Title 1">
+            <a:extLst>
+              <a:ext uri="{FF2B5EF4-FFF2-40B4-BE49-F238E27FC236}">
+                <a16:creationId xmlns:a16="http://schemas.microsoft.com/office/drawing/2014/main" id="{6571E8E0-0A0E-4E1B-8309-AB5B65BB1716}"/>
+              </a:ext>
+            </a:extLst>
+          </p:cNvPr>
+          <p:cNvSpPr>
+            <a:spLocks noGrp="1"/>
+          </p:cNvSpPr>
+          <p:nvPr>
+            <p:ph type="title"/>
+          </p:nvPr>
+        </p:nvSpPr>
+        <p:spPr>
+          <a:xfrm>
+            <a:off x="419199" y="307968"/>
+            <a:ext cx="10515600" cy="819499"/>
+          </a:xfrm>
+        </p:spPr>
+        <p:txBody>
+          <a:bodyPr>
+            <a:normAutofit/>
+          </a:bodyPr>
+          <a:lstStyle/>
+          <a:p>
+            <a:r>
+              <a:rPr lang="en-US" sz="4000" dirty="0"/>
+              <a:t>Work Items</a:t>
+            </a:r>
+          </a:p>
+        </p:txBody>
+      </p:sp>
+      <p:sp>
+        <p:nvSpPr>
+          <p:cNvPr id="4" name="矩形 3">
+            <a:extLst>
+              <a:ext uri="{FF2B5EF4-FFF2-40B4-BE49-F238E27FC236}">
+                <a16:creationId xmlns:a16="http://schemas.microsoft.com/office/drawing/2014/main" id="{FC20B750-356C-48E0-9385-A2FDA7C2C5DB}"/>
+              </a:ext>
+            </a:extLst>
+          </p:cNvPr>
+          <p:cNvSpPr/>
+          <p:nvPr/>
+        </p:nvSpPr>
+        <p:spPr>
+          <a:xfrm>
+            <a:off x="419199" y="1311895"/>
+            <a:ext cx="9932816" cy="3737946"/>
+          </a:xfrm>
+          <a:prstGeom prst="rect">
+            <a:avLst/>
+          </a:prstGeom>
+        </p:spPr>
+        <p:txBody>
+          <a:bodyPr wrap="square">
+            <a:spAutoFit/>
+          </a:bodyPr>
+          <a:lstStyle/>
+          <a:p>
+            <a:pPr marL="342900" indent="-342900">
+              <a:lnSpc>
+                <a:spcPct val="150000"/>
+              </a:lnSpc>
+              <a:buFont typeface="Arial" panose="020B0604020202020204" pitchFamily="34" charset="0"/>
+              <a:buChar char="•"/>
+            </a:pPr>
+            <a:r>
+              <a:rPr lang="en-US" sz="2000" dirty="0"/>
+              <a:t>Data: unified data storage – easy upload + easy access + </a:t>
+            </a:r>
+            <a:r>
+              <a:rPr lang="en-US" sz="2000" dirty="0" err="1"/>
+              <a:t>ui</a:t>
+            </a:r>
+            <a:r>
+              <a:rPr lang="en-US" sz="2000" dirty="0"/>
+              <a:t> + easy utilized by platform</a:t>
+            </a:r>
+          </a:p>
+          <a:p>
+            <a:pPr marL="342900" indent="-342900">
+              <a:lnSpc>
+                <a:spcPct val="150000"/>
+              </a:lnSpc>
+              <a:buFont typeface="Arial" panose="020B0604020202020204" pitchFamily="34" charset="0"/>
+              <a:buChar char="•"/>
+            </a:pPr>
+            <a:r>
+              <a:rPr lang="en-US" sz="2000" dirty="0"/>
+              <a:t>Model: scenario test</a:t>
+            </a:r>
+          </a:p>
+          <a:p>
+            <a:pPr marL="342900" indent="-342900">
+              <a:lnSpc>
+                <a:spcPct val="150000"/>
+              </a:lnSpc>
+              <a:buFont typeface="Arial" panose="020B0604020202020204" pitchFamily="34" charset="0"/>
+              <a:buChar char="•"/>
+            </a:pPr>
+            <a:r>
+              <a:rPr lang="en-US" sz="2000" dirty="0"/>
+              <a:t>Docker:</a:t>
+            </a:r>
+          </a:p>
+          <a:p>
+            <a:pPr marL="342900" indent="-342900">
+              <a:lnSpc>
+                <a:spcPct val="150000"/>
+              </a:lnSpc>
+              <a:buFont typeface="Arial" panose="020B0604020202020204" pitchFamily="34" charset="0"/>
+              <a:buChar char="•"/>
+            </a:pPr>
+            <a:r>
+              <a:rPr lang="en-US" sz="2000" dirty="0"/>
+              <a:t>Job: example</a:t>
+            </a:r>
+          </a:p>
+          <a:p>
+            <a:pPr marL="342900" indent="-342900">
+              <a:lnSpc>
+                <a:spcPct val="150000"/>
+              </a:lnSpc>
+              <a:buFont typeface="Arial" panose="020B0604020202020204" pitchFamily="34" charset="0"/>
+              <a:buChar char="•"/>
+            </a:pPr>
+            <a:endParaRPr lang="en-US" sz="2000" dirty="0"/>
+          </a:p>
+          <a:p>
+            <a:pPr marL="342900" indent="-342900">
+              <a:lnSpc>
+                <a:spcPct val="150000"/>
+              </a:lnSpc>
+              <a:buFont typeface="Arial" panose="020B0604020202020204" pitchFamily="34" charset="0"/>
+              <a:buChar char="•"/>
+            </a:pPr>
+            <a:endParaRPr lang="en-US" sz="2000" dirty="0"/>
+          </a:p>
+          <a:p>
+            <a:pPr>
+              <a:lnSpc>
+                <a:spcPct val="150000"/>
+              </a:lnSpc>
+            </a:pPr>
+            <a:r>
+              <a:rPr lang="en-US" sz="2000" dirty="0"/>
+              <a:t>            </a:t>
+            </a:r>
+          </a:p>
+          <a:p>
+            <a:pPr>
+              <a:lnSpc>
+                <a:spcPct val="150000"/>
+              </a:lnSpc>
+            </a:pPr>
+            <a:r>
+              <a:rPr lang="en-US" sz="2000" dirty="0"/>
+              <a:t>      </a:t>
+            </a:r>
+          </a:p>
+        </p:txBody>
+      </p:sp>
+    </p:spTree>
+    <p:extLst>
+      <p:ext uri="{BB962C8B-B14F-4D97-AF65-F5344CB8AC3E}">
+        <p14:creationId xmlns:p14="http://schemas.microsoft.com/office/powerpoint/2010/main" val="3122457121"/>
+      </p:ext>
+    </p:extLst>
+  </p:cSld>
+  <p:clrMapOvr>
+    <a:masterClrMapping/>
+  </p:clrMapOvr>
+</p:sld>
+</file>
+
+<file path=ppt/slides/slide14.xml><?xml version="1.0" encoding="utf-8"?>
+<p:sld xmlns:a="http://schemas.openxmlformats.org/drawingml/2006/main" xmlns:r="http://schemas.openxmlformats.org/officeDocument/2006/relationships" xmlns:p="http://schemas.openxmlformats.org/presentationml/2006/main">
+  <p:cSld>
+    <p:spTree>
+      <p:nvGrpSpPr>
+        <p:cNvPr id="1" name=""/>
+        <p:cNvGrpSpPr/>
+        <p:nvPr/>
+      </p:nvGrpSpPr>
+      <p:grpSpPr>
+        <a:xfrm>
+          <a:off x="0" y="0"/>
+          <a:ext cx="0" cy="0"/>
+          <a:chOff x="0" y="0"/>
+          <a:chExt cx="0" cy="0"/>
+        </a:xfrm>
+      </p:grpSpPr>
+      <p:sp>
+        <p:nvSpPr>
+          <p:cNvPr id="2" name="Title 1">
+            <a:extLst>
+              <a:ext uri="{FF2B5EF4-FFF2-40B4-BE49-F238E27FC236}">
+                <a16:creationId xmlns:a16="http://schemas.microsoft.com/office/drawing/2014/main" id="{6571E8E0-0A0E-4E1B-8309-AB5B65BB1716}"/>
+              </a:ext>
+            </a:extLst>
+          </p:cNvPr>
+          <p:cNvSpPr>
+            <a:spLocks noGrp="1"/>
+          </p:cNvSpPr>
+          <p:nvPr>
+            <p:ph type="title"/>
+          </p:nvPr>
+        </p:nvSpPr>
+        <p:spPr>
+          <a:xfrm>
+            <a:off x="419199" y="307968"/>
+            <a:ext cx="10515600" cy="819499"/>
+          </a:xfrm>
+        </p:spPr>
+        <p:txBody>
+          <a:bodyPr>
+            <a:normAutofit/>
+          </a:bodyPr>
+          <a:lstStyle/>
+          <a:p>
+            <a:r>
+              <a:rPr lang="en-US" sz="4000" dirty="0"/>
+              <a:t>Ideas &amp; requirements</a:t>
+            </a:r>
+          </a:p>
+        </p:txBody>
+      </p:sp>
+      <p:sp>
+        <p:nvSpPr>
+          <p:cNvPr id="4" name="矩形 3">
+            <a:extLst>
+              <a:ext uri="{FF2B5EF4-FFF2-40B4-BE49-F238E27FC236}">
+                <a16:creationId xmlns:a16="http://schemas.microsoft.com/office/drawing/2014/main" id="{FC20B750-356C-48E0-9385-A2FDA7C2C5DB}"/>
+              </a:ext>
+            </a:extLst>
+          </p:cNvPr>
+          <p:cNvSpPr/>
+          <p:nvPr/>
+        </p:nvSpPr>
+        <p:spPr>
+          <a:xfrm>
+            <a:off x="419199" y="1311895"/>
+            <a:ext cx="9932816" cy="1891287"/>
+          </a:xfrm>
+          <a:prstGeom prst="rect">
+            <a:avLst/>
+          </a:prstGeom>
+        </p:spPr>
+        <p:txBody>
+          <a:bodyPr wrap="square">
+            <a:spAutoFit/>
+          </a:bodyPr>
+          <a:lstStyle/>
+          <a:p>
+            <a:pPr marL="342900" indent="-342900">
+              <a:lnSpc>
+                <a:spcPct val="150000"/>
+              </a:lnSpc>
+              <a:buFont typeface="Arial" panose="020B0604020202020204" pitchFamily="34" charset="0"/>
+              <a:buChar char="•"/>
+            </a:pPr>
+            <a:endParaRPr lang="en-US" sz="2000" dirty="0"/>
+          </a:p>
+          <a:p>
+            <a:pPr marL="342900" indent="-342900">
+              <a:lnSpc>
+                <a:spcPct val="150000"/>
+              </a:lnSpc>
+              <a:buFont typeface="Arial" panose="020B0604020202020204" pitchFamily="34" charset="0"/>
+              <a:buChar char="•"/>
+            </a:pPr>
+            <a:endParaRPr lang="en-US" sz="2000" dirty="0"/>
+          </a:p>
+          <a:p>
+            <a:pPr>
+              <a:lnSpc>
+                <a:spcPct val="150000"/>
+              </a:lnSpc>
+            </a:pPr>
+            <a:r>
+              <a:rPr lang="en-US" sz="2000" dirty="0"/>
+              <a:t>            </a:t>
+            </a:r>
+          </a:p>
+          <a:p>
+            <a:pPr>
+              <a:lnSpc>
+                <a:spcPct val="150000"/>
+              </a:lnSpc>
+            </a:pPr>
+            <a:r>
+              <a:rPr lang="en-US" sz="2000" dirty="0"/>
+              <a:t>      </a:t>
+            </a:r>
+          </a:p>
+        </p:txBody>
+      </p:sp>
+      <p:sp>
+        <p:nvSpPr>
+          <p:cNvPr id="5" name="矩形 4">
+            <a:extLst>
+              <a:ext uri="{FF2B5EF4-FFF2-40B4-BE49-F238E27FC236}">
+                <a16:creationId xmlns:a16="http://schemas.microsoft.com/office/drawing/2014/main" id="{43FBD451-44FC-4C16-9C89-DC3A3F36F847}"/>
+              </a:ext>
+            </a:extLst>
+          </p:cNvPr>
+          <p:cNvSpPr/>
+          <p:nvPr/>
+        </p:nvSpPr>
+        <p:spPr>
+          <a:xfrm>
+            <a:off x="419199" y="1311895"/>
+            <a:ext cx="9932816" cy="2352952"/>
+          </a:xfrm>
+          <a:prstGeom prst="rect">
+            <a:avLst/>
+          </a:prstGeom>
+        </p:spPr>
+        <p:txBody>
+          <a:bodyPr wrap="square">
+            <a:spAutoFit/>
+          </a:bodyPr>
+          <a:lstStyle/>
+          <a:p>
+            <a:pPr marL="342900" indent="-342900">
+              <a:lnSpc>
+                <a:spcPct val="150000"/>
+              </a:lnSpc>
+              <a:buFont typeface="Arial" panose="020B0604020202020204" pitchFamily="34" charset="0"/>
+              <a:buChar char="•"/>
+            </a:pPr>
+            <a:r>
+              <a:rPr lang="en-US" sz="2000" dirty="0">
+                <a:solidFill>
+                  <a:srgbClr val="FF0000"/>
+                </a:solidFill>
+              </a:rPr>
+              <a:t>Inside one </a:t>
+            </a:r>
+            <a:r>
+              <a:rPr lang="en-US" sz="2000" dirty="0" err="1">
+                <a:solidFill>
+                  <a:srgbClr val="FF0000"/>
+                </a:solidFill>
+              </a:rPr>
+              <a:t>openpai</a:t>
+            </a:r>
+            <a:r>
+              <a:rPr lang="en-US" sz="2000" dirty="0">
+                <a:solidFill>
+                  <a:srgbClr val="FF0000"/>
+                </a:solidFill>
+              </a:rPr>
+              <a:t> cluster marketplace ( user &amp; team )</a:t>
+            </a:r>
+          </a:p>
+          <a:p>
+            <a:pPr marL="342900" indent="-342900">
+              <a:lnSpc>
+                <a:spcPct val="150000"/>
+              </a:lnSpc>
+              <a:buFont typeface="Arial" panose="020B0604020202020204" pitchFamily="34" charset="0"/>
+              <a:buChar char="•"/>
+            </a:pPr>
+            <a:endParaRPr lang="en-US" sz="2000" dirty="0"/>
+          </a:p>
+          <a:p>
+            <a:pPr marL="342900" indent="-342900">
+              <a:lnSpc>
+                <a:spcPct val="150000"/>
+              </a:lnSpc>
+              <a:buFont typeface="Arial" panose="020B0604020202020204" pitchFamily="34" charset="0"/>
+              <a:buChar char="•"/>
+            </a:pPr>
+            <a:endParaRPr lang="en-US" sz="2000" dirty="0"/>
+          </a:p>
+          <a:p>
+            <a:pPr>
+              <a:lnSpc>
+                <a:spcPct val="150000"/>
+              </a:lnSpc>
+            </a:pPr>
+            <a:r>
+              <a:rPr lang="en-US" sz="2000" dirty="0"/>
+              <a:t>            </a:t>
+            </a:r>
+          </a:p>
+          <a:p>
+            <a:pPr>
+              <a:lnSpc>
+                <a:spcPct val="150000"/>
+              </a:lnSpc>
+            </a:pPr>
+            <a:r>
+              <a:rPr lang="en-US" sz="2000" dirty="0"/>
+              <a:t>      </a:t>
+            </a:r>
+          </a:p>
+        </p:txBody>
+      </p:sp>
+    </p:spTree>
+    <p:extLst>
+      <p:ext uri="{BB962C8B-B14F-4D97-AF65-F5344CB8AC3E}">
+        <p14:creationId xmlns:p14="http://schemas.microsoft.com/office/powerpoint/2010/main" val="692324579"/>
       </p:ext>
     </p:extLst>
   </p:cSld>
@@ -5024,7 +7198,7 @@
         <p:spPr>
           <a:xfrm>
             <a:off x="419199" y="1236394"/>
-            <a:ext cx="9932816" cy="4661276"/>
+            <a:ext cx="9932816" cy="6046271"/>
           </a:xfrm>
           <a:prstGeom prst="rect">
             <a:avLst/>
@@ -5056,7 +7230,7 @@
             </a:pPr>
             <a:r>
               <a:rPr lang="en-US" sz="2000" dirty="0"/>
-              <a:t>      lower bound: share folder</a:t>
+              <a:t>      lower bound: share folder + remote link</a:t>
             </a:r>
           </a:p>
           <a:p>
@@ -5067,7 +7241,18 @@
             </a:pPr>
             <a:r>
               <a:rPr lang="en-US" sz="2000" dirty="0"/>
-              <a:t>      upper bound: cloud storage service (access control, visualization, management, user)</a:t>
+              <a:t>      upper bound: cloud storage service (access control, visualization, management (crud &amp; version control), user)</a:t>
+            </a:r>
+          </a:p>
+          <a:p>
+            <a:pPr>
+              <a:lnSpc>
+                <a:spcPct val="150000"/>
+              </a:lnSpc>
+            </a:pPr>
+            <a:r>
+              <a:rPr lang="en-US" sz="2000" dirty="0"/>
+              <a:t>      Utilize user provide third party storage</a:t>
             </a:r>
           </a:p>
           <a:p>
@@ -5079,10 +7264,13 @@
               <a:buChar char="•"/>
             </a:pPr>
             <a:r>
-              <a:rPr lang="en-US" sz="2000"/>
+              <a:rPr lang="en-US" sz="2000" dirty="0">
+                <a:solidFill>
+                  <a:srgbClr val="0070C0"/>
+                </a:solidFill>
+              </a:rPr>
               <a:t>Model</a:t>
             </a:r>
-            <a:endParaRPr lang="en-US" sz="2000" dirty="0"/>
           </a:p>
           <a:p>
             <a:pPr>
@@ -5091,7 +7279,11 @@
               </a:lnSpc>
             </a:pPr>
             <a:r>
-              <a:rPr lang="en-US" sz="2000" dirty="0"/>
+              <a:rPr lang="en-US" sz="2000" dirty="0">
+                <a:solidFill>
+                  <a:srgbClr val="0070C0"/>
+                </a:solidFill>
+              </a:rPr>
               <a:t>      code or model file</a:t>
             </a:r>
           </a:p>
@@ -5152,8 +7344,29 @@
               <a:buChar char="•"/>
             </a:pPr>
             <a:r>
-              <a:rPr lang="en-US" sz="2000" dirty="0"/>
+              <a:rPr lang="en-US" sz="2000" dirty="0">
+                <a:solidFill>
+                  <a:srgbClr val="0070C0"/>
+                </a:solidFill>
+              </a:rPr>
               <a:t>Tutorial</a:t>
+            </a:r>
+          </a:p>
+          <a:p>
+            <a:pPr marL="342900" indent="-342900">
+              <a:lnSpc>
+                <a:spcPct val="150000"/>
+              </a:lnSpc>
+              <a:buFont typeface="Arial" panose="020B0604020202020204" pitchFamily="34" charset="0"/>
+              <a:buChar char="•"/>
+            </a:pPr>
+            <a:r>
+              <a:rPr lang="en-US" sz="2000" dirty="0">
+                <a:solidFill>
+                  <a:srgbClr val="0070C0"/>
+                </a:solidFill>
+              </a:rPr>
+              <a:t>Contest</a:t>
             </a:r>
           </a:p>
         </p:txBody>
@@ -5218,7 +7431,7 @@
           <a:p>
             <a:r>
               <a:rPr lang="en-US" sz="4000" dirty="0"/>
-              <a:t>Types</a:t>
+              <a:t>Types - Data</a:t>
             </a:r>
           </a:p>
         </p:txBody>
@@ -5238,7 +7451,7 @@
         <p:spPr>
           <a:xfrm>
             <a:off x="419199" y="1236394"/>
-            <a:ext cx="9932816" cy="2814617"/>
+            <a:ext cx="9932816" cy="5584606"/>
           </a:xfrm>
           <a:prstGeom prst="rect">
             <a:avLst/>
@@ -5259,7 +7472,54 @@
             </a:pPr>
             <a:r>
               <a:rPr lang="en-US" sz="2000" dirty="0"/>
-              <a:t>Data</a:t>
+              <a:t>Summary</a:t>
+            </a:r>
+          </a:p>
+          <a:p>
+            <a:pPr marL="342900" indent="-342900">
+              <a:lnSpc>
+                <a:spcPct val="150000"/>
+              </a:lnSpc>
+              <a:buFont typeface="Arial" panose="020B0604020202020204" pitchFamily="34" charset="0"/>
+              <a:buChar char="•"/>
+            </a:pPr>
+            <a:r>
+              <a:rPr lang="en-US" sz="2000" dirty="0"/>
+              <a:t>Description</a:t>
+            </a:r>
+          </a:p>
+          <a:p>
+            <a:pPr marL="342900" indent="-342900">
+              <a:lnSpc>
+                <a:spcPct val="150000"/>
+              </a:lnSpc>
+              <a:buFont typeface="Arial" panose="020B0604020202020204" pitchFamily="34" charset="0"/>
+              <a:buChar char="•"/>
+            </a:pPr>
+            <a:r>
+              <a:rPr lang="en-US" sz="2000" dirty="0"/>
+              <a:t>Data Explorer </a:t>
+            </a:r>
+            <a:r>
+              <a:rPr lang="en-US" sz="2000" dirty="0">
+                <a:solidFill>
+                  <a:srgbClr val="FF0000"/>
+                </a:solidFill>
+              </a:rPr>
+              <a:t>(postpone)</a:t>
+            </a:r>
+          </a:p>
+          <a:p>
+            <a:pPr marL="342900" indent="-342900">
+              <a:lnSpc>
+                <a:spcPct val="150000"/>
+              </a:lnSpc>
+              <a:buFont typeface="Arial" panose="020B0604020202020204" pitchFamily="34" charset="0"/>
+              <a:buChar char="•"/>
+            </a:pPr>
+            <a:r>
+              <a:rPr lang="en-US" sz="2000" dirty="0"/>
+              <a:t>How to use ?</a:t>
             </a:r>
           </a:p>
           <a:p>
@@ -5270,40 +7530,162 @@
             </a:pPr>
             <a:r>
               <a:rPr lang="en-US" sz="2000" dirty="0"/>
-              <a:t>      Summary</a:t>
-            </a:r>
-          </a:p>
-          <a:p>
-            <a:pPr>
+              <a:t>      use </a:t>
+            </a:r>
+            <a:r>
+              <a:rPr lang="en-US" sz="2000" dirty="0" err="1"/>
+              <a:t>Dshuttle</a:t>
+            </a:r>
+            <a:r>
+              <a:rPr lang="en-US" sz="2000" dirty="0"/>
+              <a:t> or azure storage or direct link as interface to load into </a:t>
+            </a:r>
+            <a:r>
+              <a:rPr lang="en-US" sz="2000" dirty="0" err="1"/>
+              <a:t>pai</a:t>
+            </a:r>
+            <a:r>
+              <a:rPr lang="en-US" sz="2000" dirty="0"/>
+              <a:t> job</a:t>
+            </a:r>
+          </a:p>
+          <a:p>
+            <a:pPr marL="342900" indent="-342900">
               <a:lnSpc>
                 <a:spcPct val="150000"/>
               </a:lnSpc>
-            </a:pPr>
-            <a:r>
-              <a:rPr lang="en-US" sz="2000" dirty="0"/>
-              <a:t>      Description</a:t>
-            </a:r>
-          </a:p>
-          <a:p>
-            <a:pPr>
+              <a:buFont typeface="Arial" panose="020B0604020202020204" pitchFamily="34" charset="0"/>
+              <a:buChar char="•"/>
+            </a:pPr>
+            <a:r>
+              <a:rPr lang="en-US" sz="2000" dirty="0">
+                <a:solidFill>
+                  <a:srgbClr val="FF0000"/>
+                </a:solidFill>
+              </a:rPr>
+              <a:t>directly used in cluster, available in which cluster</a:t>
+            </a:r>
+          </a:p>
+          <a:p>
+            <a:pPr marL="342900" indent="-342900">
               <a:lnSpc>
                 <a:spcPct val="150000"/>
               </a:lnSpc>
-            </a:pPr>
-            <a:r>
-              <a:rPr lang="en-US" sz="2000" dirty="0"/>
-              <a:t>      Data Explorer</a:t>
-            </a:r>
-          </a:p>
-          <a:p>
-            <a:pPr>
+              <a:buFont typeface="Arial" panose="020B0604020202020204" pitchFamily="34" charset="0"/>
+              <a:buChar char="•"/>
+            </a:pPr>
+            <a:r>
+              <a:rPr lang="en-US" sz="2000" dirty="0">
+                <a:solidFill>
+                  <a:srgbClr val="FF0000"/>
+                </a:solidFill>
+              </a:rPr>
+              <a:t>Admin set storage in advance, marketplace directly use it. User upload it.</a:t>
+            </a:r>
+          </a:p>
+          <a:p>
+            <a:pPr marL="342900" indent="-342900">
               <a:lnSpc>
                 <a:spcPct val="150000"/>
               </a:lnSpc>
-            </a:pPr>
-            <a:r>
-              <a:rPr lang="en-US" sz="2000" dirty="0"/>
-              <a:t>      </a:t>
+              <a:buFont typeface="Arial" panose="020B0604020202020204" pitchFamily="34" charset="0"/>
+              <a:buChar char="•"/>
+            </a:pPr>
+            <a:r>
+              <a:rPr lang="en-US" sz="2000" dirty="0" err="1">
+                <a:solidFill>
+                  <a:srgbClr val="FF0000"/>
+                </a:solidFill>
+              </a:rPr>
+              <a:t>Openpai</a:t>
+            </a:r>
+            <a:r>
+              <a:rPr lang="en-US" sz="2000" dirty="0">
+                <a:solidFill>
+                  <a:srgbClr val="FF0000"/>
+                </a:solidFill>
+              </a:rPr>
+              <a:t> </a:t>
+            </a:r>
+            <a:r>
+              <a:rPr lang="en-US" sz="2000" dirty="0" err="1">
+                <a:solidFill>
+                  <a:srgbClr val="FF0000"/>
+                </a:solidFill>
+              </a:rPr>
+              <a:t>teamwise</a:t>
+            </a:r>
+            <a:r>
+              <a:rPr lang="en-US" sz="2000" dirty="0">
+                <a:solidFill>
+                  <a:srgbClr val="FF0000"/>
+                </a:solidFill>
+              </a:rPr>
+              <a:t> storage. </a:t>
+            </a:r>
+          </a:p>
+          <a:p>
+            <a:pPr marL="342900" indent="-342900">
+              <a:lnSpc>
+                <a:spcPct val="150000"/>
+              </a:lnSpc>
+              <a:buFont typeface="Arial" panose="020B0604020202020204" pitchFamily="34" charset="0"/>
+              <a:buChar char="•"/>
+            </a:pPr>
+            <a:r>
+              <a:rPr lang="en-US" sz="2000" dirty="0">
+                <a:solidFill>
+                  <a:srgbClr val="FF0000"/>
+                </a:solidFill>
+              </a:rPr>
+              <a:t>Public storage. Provide interface (download in advance).</a:t>
+            </a:r>
+          </a:p>
+          <a:p>
+            <a:pPr marL="342900" indent="-342900">
+              <a:lnSpc>
+                <a:spcPct val="150000"/>
+              </a:lnSpc>
+              <a:buFont typeface="Arial" panose="020B0604020202020204" pitchFamily="34" charset="0"/>
+              <a:buChar char="•"/>
+            </a:pPr>
+            <a:r>
+              <a:rPr lang="en-US" sz="2000" dirty="0">
+                <a:solidFill>
+                  <a:srgbClr val="FF0000"/>
+                </a:solidFill>
+              </a:rPr>
+              <a:t>Provide a </a:t>
+            </a:r>
+            <a:r>
+              <a:rPr lang="en-US" sz="2000" dirty="0" err="1">
+                <a:solidFill>
+                  <a:srgbClr val="FF0000"/>
+                </a:solidFill>
+              </a:rPr>
+              <a:t>snnipet</a:t>
+            </a:r>
+            <a:endParaRPr lang="en-US" sz="2000" dirty="0">
+              <a:solidFill>
+                <a:srgbClr val="FF0000"/>
+              </a:solidFill>
+            </a:endParaRPr>
+          </a:p>
+          <a:p>
+            <a:pPr marL="342900" indent="-342900">
+              <a:lnSpc>
+                <a:spcPct val="150000"/>
+              </a:lnSpc>
+              <a:buFont typeface="Arial" panose="020B0604020202020204" pitchFamily="34" charset="0"/>
+              <a:buChar char="•"/>
+            </a:pPr>
+            <a:r>
+              <a:rPr lang="en-US" sz="2000" dirty="0">
+                <a:solidFill>
+                  <a:srgbClr val="FF0000"/>
+                </a:solidFill>
+              </a:rPr>
+              <a:t>Provide a reference: copy &amp; paste</a:t>
             </a:r>
           </a:p>
           <a:p>
@@ -5376,7 +7758,7 @@
           <a:p>
             <a:r>
               <a:rPr lang="en-US" sz="4000" dirty="0"/>
-              <a:t>Discussion</a:t>
+              <a:t>Types - Model</a:t>
             </a:r>
           </a:p>
         </p:txBody>
@@ -5396,7 +7778,7 @@
         <p:spPr>
           <a:xfrm>
             <a:off x="419199" y="1236394"/>
-            <a:ext cx="9932816" cy="2352952"/>
+            <a:ext cx="9932816" cy="1891287"/>
           </a:xfrm>
           <a:prstGeom prst="rect">
             <a:avLst/>
@@ -5417,37 +7799,32 @@
             </a:pPr>
             <a:r>
               <a:rPr lang="en-US" sz="2000" dirty="0"/>
-              <a:t>Embedded or Standalone</a:t>
-            </a:r>
-          </a:p>
-          <a:p>
-            <a:pPr>
+              <a:t>In model training scenario, </a:t>
+            </a:r>
+            <a:r>
+              <a:rPr lang="en-US" sz="2000" dirty="0">
+                <a:solidFill>
+                  <a:srgbClr val="FF0000"/>
+                </a:solidFill>
+              </a:rPr>
+              <a:t>debug mod </a:t>
+            </a:r>
+            <a:r>
+              <a:rPr lang="en-US" sz="2000" dirty="0"/>
+              <a:t>is needed to fine tune the parameters </a:t>
+            </a:r>
+          </a:p>
+          <a:p>
+            <a:pPr marL="342900" indent="-342900">
               <a:lnSpc>
                 <a:spcPct val="150000"/>
               </a:lnSpc>
+              <a:buFont typeface="Arial" panose="020B0604020202020204" pitchFamily="34" charset="0"/>
+              <a:buChar char="•"/>
             </a:pPr>
             <a:r>
               <a:rPr lang="en-US" sz="2000" dirty="0"/>
-              <a:t>      Issues if embedded:</a:t>
-            </a:r>
-          </a:p>
-          <a:p>
-            <a:pPr>
-              <a:lnSpc>
-                <a:spcPct val="150000"/>
-              </a:lnSpc>
-            </a:pPr>
-            <a:r>
-              <a:rPr lang="en-US" sz="2000" dirty="0"/>
-              <a:t>      - Using </a:t>
-            </a:r>
-            <a:r>
-              <a:rPr lang="en-US" sz="2000" dirty="0" err="1"/>
-              <a:t>pai</a:t>
-            </a:r>
-            <a:r>
-              <a:rPr lang="en-US" sz="2000" dirty="0"/>
-              <a:t> auth and user management  will limit multi platform support</a:t>
+              <a:t>Better suitable for a fixed model</a:t>
             </a:r>
           </a:p>
           <a:p>
@@ -5467,17 +7844,14 @@
                 <a:spcPct val="150000"/>
               </a:lnSpc>
             </a:pPr>
-            <a:r>
-              <a:rPr lang="en-US" sz="2000" dirty="0"/>
-              <a:t>      </a:t>
-            </a:r>
+            <a:endParaRPr lang="en-US" sz="2000" dirty="0"/>
           </a:p>
         </p:txBody>
       </p:sp>
     </p:spTree>
     <p:extLst>
       <p:ext uri="{BB962C8B-B14F-4D97-AF65-F5344CB8AC3E}">
-        <p14:creationId xmlns:p14="http://schemas.microsoft.com/office/powerpoint/2010/main" val="1360651626"/>
+        <p14:creationId xmlns:p14="http://schemas.microsoft.com/office/powerpoint/2010/main" val="2395782490"/>
       </p:ext>
     </p:extLst>
   </p:cSld>
@@ -5534,7 +7908,7 @@
           <a:p>
             <a:r>
               <a:rPr lang="en-US" sz="4000" dirty="0"/>
-              <a:t>Work Items</a:t>
+              <a:t>Types - Image</a:t>
             </a:r>
           </a:p>
         </p:txBody>
@@ -5554,7 +7928,7 @@
         <p:spPr>
           <a:xfrm>
             <a:off x="419199" y="1236394"/>
-            <a:ext cx="9932816" cy="4661276"/>
+            <a:ext cx="9932816" cy="3276282"/>
           </a:xfrm>
           <a:prstGeom prst="rect">
             <a:avLst/>
@@ -5575,29 +7949,7 @@
             </a:pPr>
             <a:r>
               <a:rPr lang="en-US" sz="2000" dirty="0"/>
-              <a:t>Data</a:t>
-            </a:r>
-          </a:p>
-          <a:p>
-            <a:pPr>
-              <a:lnSpc>
-                <a:spcPct val="150000"/>
-              </a:lnSpc>
-            </a:pPr>
-            <a:r>
-              <a:rPr lang="en-US" sz="2000" dirty="0"/>
-              <a:t>      lower bound: share folder</a:t>
-            </a:r>
-          </a:p>
-          <a:p>
-            <a:pPr>
-              <a:lnSpc>
-                <a:spcPct val="150000"/>
-              </a:lnSpc>
-            </a:pPr>
-            <a:r>
-              <a:rPr lang="en-US" sz="2000" dirty="0"/>
-              <a:t>      upper bound: cloud storage service (access control, visualization, management, user)</a:t>
+              <a:t>Predefined environment image</a:t>
             </a:r>
           </a:p>
           <a:p>
@@ -5610,18 +7962,7 @@
             </a:pPr>
             <a:r>
               <a:rPr lang="en-US" sz="2000" dirty="0"/>
-              <a:t>Model</a:t>
-            </a:r>
-          </a:p>
-          <a:p>
-            <a:pPr>
-              <a:lnSpc>
-                <a:spcPct val="150000"/>
-              </a:lnSpc>
-            </a:pPr>
-            <a:r>
-              <a:rPr lang="en-US" sz="2000" dirty="0"/>
-              <a:t>      code or model file</a:t>
+              <a:t>Summary</a:t>
             </a:r>
           </a:p>
           <a:p>
@@ -5634,18 +7975,7 @@
             </a:pPr>
             <a:r>
               <a:rPr lang="en-US" sz="2000" dirty="0"/>
-              <a:t>Image</a:t>
-            </a:r>
-          </a:p>
-          <a:p>
-            <a:pPr>
-              <a:lnSpc>
-                <a:spcPct val="150000"/>
-              </a:lnSpc>
-            </a:pPr>
-            <a:r>
-              <a:rPr lang="en-US" sz="2000" dirty="0"/>
-              <a:t>      docker environment</a:t>
+              <a:t>Description</a:t>
             </a:r>
           </a:p>
           <a:p>
@@ -5657,20 +7987,10 @@
               <a:buChar char="•"/>
             </a:pPr>
             <a:r>
-              <a:rPr lang="en-US" altLang="zh-CN" sz="2000" dirty="0"/>
-              <a:t>Job</a:t>
-            </a:r>
-          </a:p>
-          <a:p>
-            <a:pPr>
-              <a:lnSpc>
-                <a:spcPct val="150000"/>
-              </a:lnSpc>
-            </a:pPr>
-            <a:r>
-              <a:rPr lang="en-US" altLang="zh-CN" sz="2000" dirty="0"/>
-              <a:t>      Image + Model + Data + Resource (platform related config)</a:t>
-            </a:r>
+              <a:rPr lang="en-US" sz="2000" dirty="0" err="1"/>
+              <a:t>Dockerfile</a:t>
+            </a:r>
+            <a:endParaRPr lang="en-US" sz="2000" dirty="0"/>
           </a:p>
           <a:p>
             <a:pPr marL="342900" indent="-342900">
@@ -5682,15 +8002,474 @@
             </a:pPr>
             <a:r>
               <a:rPr lang="en-US" sz="2000" dirty="0"/>
-              <a:t>Tutorial</a:t>
-            </a:r>
+              <a:t>( </a:t>
+            </a:r>
+            <a:r>
+              <a:rPr lang="en-US" sz="2000" dirty="0" err="1"/>
+              <a:t>Autogeneration</a:t>
+            </a:r>
+            <a:r>
+              <a:rPr lang="en-US" sz="2000" dirty="0"/>
+              <a:t>)</a:t>
+            </a:r>
+          </a:p>
+          <a:p>
+            <a:pPr>
+              <a:lnSpc>
+                <a:spcPct val="150000"/>
+              </a:lnSpc>
+            </a:pPr>
+            <a:endParaRPr lang="en-US" sz="2000" dirty="0"/>
+          </a:p>
+          <a:p>
+            <a:pPr>
+              <a:lnSpc>
+                <a:spcPct val="150000"/>
+              </a:lnSpc>
+            </a:pPr>
+            <a:endParaRPr lang="en-US" sz="2000" dirty="0"/>
           </a:p>
         </p:txBody>
       </p:sp>
     </p:spTree>
     <p:extLst>
       <p:ext uri="{BB962C8B-B14F-4D97-AF65-F5344CB8AC3E}">
-        <p14:creationId xmlns:p14="http://schemas.microsoft.com/office/powerpoint/2010/main" val="3122457121"/>
+        <p14:creationId xmlns:p14="http://schemas.microsoft.com/office/powerpoint/2010/main" val="4234044779"/>
+      </p:ext>
+    </p:extLst>
+  </p:cSld>
+  <p:clrMapOvr>
+    <a:masterClrMapping/>
+  </p:clrMapOvr>
+</p:sld>
+</file>
+
+<file path=ppt/slides/slide7.xml><?xml version="1.0" encoding="utf-8"?>
+<p:sld xmlns:a="http://schemas.openxmlformats.org/drawingml/2006/main" xmlns:r="http://schemas.openxmlformats.org/officeDocument/2006/relationships" xmlns:p="http://schemas.openxmlformats.org/presentationml/2006/main">
+  <p:cSld>
+    <p:spTree>
+      <p:nvGrpSpPr>
+        <p:cNvPr id="1" name=""/>
+        <p:cNvGrpSpPr/>
+        <p:nvPr/>
+      </p:nvGrpSpPr>
+      <p:grpSpPr>
+        <a:xfrm>
+          <a:off x="0" y="0"/>
+          <a:ext cx="0" cy="0"/>
+          <a:chOff x="0" y="0"/>
+          <a:chExt cx="0" cy="0"/>
+        </a:xfrm>
+      </p:grpSpPr>
+      <p:sp>
+        <p:nvSpPr>
+          <p:cNvPr id="2" name="Title 1">
+            <a:extLst>
+              <a:ext uri="{FF2B5EF4-FFF2-40B4-BE49-F238E27FC236}">
+                <a16:creationId xmlns:a16="http://schemas.microsoft.com/office/drawing/2014/main" id="{6571E8E0-0A0E-4E1B-8309-AB5B65BB1716}"/>
+              </a:ext>
+            </a:extLst>
+          </p:cNvPr>
+          <p:cNvSpPr>
+            <a:spLocks noGrp="1"/>
+          </p:cNvSpPr>
+          <p:nvPr>
+            <p:ph type="title"/>
+          </p:nvPr>
+        </p:nvSpPr>
+        <p:spPr>
+          <a:xfrm>
+            <a:off x="419199" y="307968"/>
+            <a:ext cx="10515600" cy="819499"/>
+          </a:xfrm>
+        </p:spPr>
+        <p:txBody>
+          <a:bodyPr>
+            <a:normAutofit/>
+          </a:bodyPr>
+          <a:lstStyle/>
+          <a:p>
+            <a:r>
+              <a:rPr lang="en-US" sz="4000" dirty="0"/>
+              <a:t>Types - Job</a:t>
+            </a:r>
+          </a:p>
+        </p:txBody>
+      </p:sp>
+      <p:sp>
+        <p:nvSpPr>
+          <p:cNvPr id="7" name="矩形 6">
+            <a:extLst>
+              <a:ext uri="{FF2B5EF4-FFF2-40B4-BE49-F238E27FC236}">
+                <a16:creationId xmlns:a16="http://schemas.microsoft.com/office/drawing/2014/main" id="{788801D9-CD8E-474E-8CBA-F934C721BAEC}"/>
+              </a:ext>
+            </a:extLst>
+          </p:cNvPr>
+          <p:cNvSpPr/>
+          <p:nvPr/>
+        </p:nvSpPr>
+        <p:spPr>
+          <a:xfrm>
+            <a:off x="419199" y="1236394"/>
+            <a:ext cx="9932816" cy="2814617"/>
+          </a:xfrm>
+          <a:prstGeom prst="rect">
+            <a:avLst/>
+          </a:prstGeom>
+        </p:spPr>
+        <p:txBody>
+          <a:bodyPr wrap="square">
+            <a:spAutoFit/>
+          </a:bodyPr>
+          <a:lstStyle/>
+          <a:p>
+            <a:pPr marL="342900" indent="-342900">
+              <a:lnSpc>
+                <a:spcPct val="150000"/>
+              </a:lnSpc>
+              <a:buFont typeface="Arial" panose="020B0604020202020204" pitchFamily="34" charset="0"/>
+              <a:buChar char="•"/>
+            </a:pPr>
+            <a:r>
+              <a:rPr lang="en-US" sz="2000" dirty="0"/>
+              <a:t>Data</a:t>
+            </a:r>
+          </a:p>
+          <a:p>
+            <a:pPr marL="342900" indent="-342900">
+              <a:lnSpc>
+                <a:spcPct val="150000"/>
+              </a:lnSpc>
+              <a:buFont typeface="Arial" panose="020B0604020202020204" pitchFamily="34" charset="0"/>
+              <a:buChar char="•"/>
+            </a:pPr>
+            <a:r>
+              <a:rPr lang="en-US" sz="2000" dirty="0"/>
+              <a:t>Model</a:t>
+            </a:r>
+          </a:p>
+          <a:p>
+            <a:pPr marL="342900" indent="-342900">
+              <a:lnSpc>
+                <a:spcPct val="150000"/>
+              </a:lnSpc>
+              <a:buFont typeface="Arial" panose="020B0604020202020204" pitchFamily="34" charset="0"/>
+              <a:buChar char="•"/>
+            </a:pPr>
+            <a:r>
+              <a:rPr lang="en-US" sz="2000" dirty="0"/>
+              <a:t>Image</a:t>
+            </a:r>
+          </a:p>
+          <a:p>
+            <a:pPr marL="342900" indent="-342900">
+              <a:lnSpc>
+                <a:spcPct val="150000"/>
+              </a:lnSpc>
+              <a:buFont typeface="Arial" panose="020B0604020202020204" pitchFamily="34" charset="0"/>
+              <a:buChar char="•"/>
+            </a:pPr>
+            <a:r>
+              <a:rPr lang="en-US" sz="2000" dirty="0"/>
+              <a:t>Resources (platform config)</a:t>
+            </a:r>
+          </a:p>
+          <a:p>
+            <a:pPr>
+              <a:lnSpc>
+                <a:spcPct val="150000"/>
+              </a:lnSpc>
+            </a:pPr>
+            <a:r>
+              <a:rPr lang="en-US" sz="2000" dirty="0"/>
+              <a:t>      </a:t>
+            </a:r>
+          </a:p>
+          <a:p>
+            <a:pPr>
+              <a:lnSpc>
+                <a:spcPct val="150000"/>
+              </a:lnSpc>
+            </a:pPr>
+            <a:endParaRPr lang="en-US" sz="2000" dirty="0"/>
+          </a:p>
+        </p:txBody>
+      </p:sp>
+    </p:spTree>
+    <p:extLst>
+      <p:ext uri="{BB962C8B-B14F-4D97-AF65-F5344CB8AC3E}">
+        <p14:creationId xmlns:p14="http://schemas.microsoft.com/office/powerpoint/2010/main" val="2091393000"/>
+      </p:ext>
+    </p:extLst>
+  </p:cSld>
+  <p:clrMapOvr>
+    <a:masterClrMapping/>
+  </p:clrMapOvr>
+</p:sld>
+</file>
+
+<file path=ppt/slides/slide8.xml><?xml version="1.0" encoding="utf-8"?>
+<p:sld xmlns:a="http://schemas.openxmlformats.org/drawingml/2006/main" xmlns:r="http://schemas.openxmlformats.org/officeDocument/2006/relationships" xmlns:p="http://schemas.openxmlformats.org/presentationml/2006/main">
+  <p:cSld>
+    <p:spTree>
+      <p:nvGrpSpPr>
+        <p:cNvPr id="1" name=""/>
+        <p:cNvGrpSpPr/>
+        <p:nvPr/>
+      </p:nvGrpSpPr>
+      <p:grpSpPr>
+        <a:xfrm>
+          <a:off x="0" y="0"/>
+          <a:ext cx="0" cy="0"/>
+          <a:chOff x="0" y="0"/>
+          <a:chExt cx="0" cy="0"/>
+        </a:xfrm>
+      </p:grpSpPr>
+      <p:sp>
+        <p:nvSpPr>
+          <p:cNvPr id="2" name="Title 1">
+            <a:extLst>
+              <a:ext uri="{FF2B5EF4-FFF2-40B4-BE49-F238E27FC236}">
+                <a16:creationId xmlns:a16="http://schemas.microsoft.com/office/drawing/2014/main" id="{6571E8E0-0A0E-4E1B-8309-AB5B65BB1716}"/>
+              </a:ext>
+            </a:extLst>
+          </p:cNvPr>
+          <p:cNvSpPr>
+            <a:spLocks noGrp="1"/>
+          </p:cNvSpPr>
+          <p:nvPr>
+            <p:ph type="title"/>
+          </p:nvPr>
+        </p:nvSpPr>
+        <p:spPr>
+          <a:xfrm>
+            <a:off x="419199" y="307968"/>
+            <a:ext cx="10515600" cy="819499"/>
+          </a:xfrm>
+        </p:spPr>
+        <p:txBody>
+          <a:bodyPr>
+            <a:normAutofit/>
+          </a:bodyPr>
+          <a:lstStyle/>
+          <a:p>
+            <a:r>
+              <a:rPr lang="en-US" sz="4000" dirty="0"/>
+              <a:t>Types – Tutorial (TBD)</a:t>
+            </a:r>
+          </a:p>
+        </p:txBody>
+      </p:sp>
+      <p:sp>
+        <p:nvSpPr>
+          <p:cNvPr id="7" name="矩形 6">
+            <a:extLst>
+              <a:ext uri="{FF2B5EF4-FFF2-40B4-BE49-F238E27FC236}">
+                <a16:creationId xmlns:a16="http://schemas.microsoft.com/office/drawing/2014/main" id="{788801D9-CD8E-474E-8CBA-F934C721BAEC}"/>
+              </a:ext>
+            </a:extLst>
+          </p:cNvPr>
+          <p:cNvSpPr/>
+          <p:nvPr/>
+        </p:nvSpPr>
+        <p:spPr>
+          <a:xfrm>
+            <a:off x="419199" y="1236394"/>
+            <a:ext cx="9932816" cy="1429622"/>
+          </a:xfrm>
+          <a:prstGeom prst="rect">
+            <a:avLst/>
+          </a:prstGeom>
+        </p:spPr>
+        <p:txBody>
+          <a:bodyPr wrap="square">
+            <a:spAutoFit/>
+          </a:bodyPr>
+          <a:lstStyle/>
+          <a:p>
+            <a:pPr marL="342900" indent="-342900">
+              <a:lnSpc>
+                <a:spcPct val="150000"/>
+              </a:lnSpc>
+              <a:buFont typeface="Arial" panose="020B0604020202020204" pitchFamily="34" charset="0"/>
+              <a:buChar char="•"/>
+            </a:pPr>
+            <a:r>
+              <a:rPr lang="en-US" sz="2000" dirty="0"/>
+              <a:t>Pdf file</a:t>
+            </a:r>
+          </a:p>
+          <a:p>
+            <a:pPr marL="342900" indent="-342900">
+              <a:lnSpc>
+                <a:spcPct val="150000"/>
+              </a:lnSpc>
+              <a:buFont typeface="Arial" panose="020B0604020202020204" pitchFamily="34" charset="0"/>
+              <a:buChar char="•"/>
+            </a:pPr>
+            <a:r>
+              <a:rPr lang="en-US" sz="2000" dirty="0" err="1"/>
+              <a:t>Jupyter</a:t>
+            </a:r>
+            <a:r>
+              <a:rPr lang="en-US" sz="2000" dirty="0"/>
+              <a:t> notebook support      </a:t>
+            </a:r>
+          </a:p>
+          <a:p>
+            <a:pPr>
+              <a:lnSpc>
+                <a:spcPct val="150000"/>
+              </a:lnSpc>
+            </a:pPr>
+            <a:endParaRPr lang="en-US" sz="2000" dirty="0"/>
+          </a:p>
+        </p:txBody>
+      </p:sp>
+    </p:spTree>
+    <p:extLst>
+      <p:ext uri="{BB962C8B-B14F-4D97-AF65-F5344CB8AC3E}">
+        <p14:creationId xmlns:p14="http://schemas.microsoft.com/office/powerpoint/2010/main" val="3687618565"/>
+      </p:ext>
+    </p:extLst>
+  </p:cSld>
+  <p:clrMapOvr>
+    <a:masterClrMapping/>
+  </p:clrMapOvr>
+</p:sld>
+</file>
+
+<file path=ppt/slides/slide9.xml><?xml version="1.0" encoding="utf-8"?>
+<p:sld xmlns:a="http://schemas.openxmlformats.org/drawingml/2006/main" xmlns:r="http://schemas.openxmlformats.org/officeDocument/2006/relationships" xmlns:p="http://schemas.openxmlformats.org/presentationml/2006/main">
+  <p:cSld>
+    <p:spTree>
+      <p:nvGrpSpPr>
+        <p:cNvPr id="1" name=""/>
+        <p:cNvGrpSpPr/>
+        <p:nvPr/>
+      </p:nvGrpSpPr>
+      <p:grpSpPr>
+        <a:xfrm>
+          <a:off x="0" y="0"/>
+          <a:ext cx="0" cy="0"/>
+          <a:chOff x="0" y="0"/>
+          <a:chExt cx="0" cy="0"/>
+        </a:xfrm>
+      </p:grpSpPr>
+      <p:sp>
+        <p:nvSpPr>
+          <p:cNvPr id="2" name="Title 1">
+            <a:extLst>
+              <a:ext uri="{FF2B5EF4-FFF2-40B4-BE49-F238E27FC236}">
+                <a16:creationId xmlns:a16="http://schemas.microsoft.com/office/drawing/2014/main" id="{6571E8E0-0A0E-4E1B-8309-AB5B65BB1716}"/>
+              </a:ext>
+            </a:extLst>
+          </p:cNvPr>
+          <p:cNvSpPr>
+            <a:spLocks noGrp="1"/>
+          </p:cNvSpPr>
+          <p:nvPr>
+            <p:ph type="title"/>
+          </p:nvPr>
+        </p:nvSpPr>
+        <p:spPr>
+          <a:xfrm>
+            <a:off x="419199" y="307968"/>
+            <a:ext cx="10515600" cy="819499"/>
+          </a:xfrm>
+        </p:spPr>
+        <p:txBody>
+          <a:bodyPr>
+            <a:normAutofit/>
+          </a:bodyPr>
+          <a:lstStyle/>
+          <a:p>
+            <a:r>
+              <a:rPr lang="en-US" sz="4000" dirty="0"/>
+              <a:t>Types – Contest (TBD)</a:t>
+            </a:r>
+          </a:p>
+        </p:txBody>
+      </p:sp>
+      <p:sp>
+        <p:nvSpPr>
+          <p:cNvPr id="7" name="矩形 6">
+            <a:extLst>
+              <a:ext uri="{FF2B5EF4-FFF2-40B4-BE49-F238E27FC236}">
+                <a16:creationId xmlns:a16="http://schemas.microsoft.com/office/drawing/2014/main" id="{788801D9-CD8E-474E-8CBA-F934C721BAEC}"/>
+              </a:ext>
+            </a:extLst>
+          </p:cNvPr>
+          <p:cNvSpPr/>
+          <p:nvPr/>
+        </p:nvSpPr>
+        <p:spPr>
+          <a:xfrm>
+            <a:off x="419199" y="1236394"/>
+            <a:ext cx="9932816" cy="1891287"/>
+          </a:xfrm>
+          <a:prstGeom prst="rect">
+            <a:avLst/>
+          </a:prstGeom>
+        </p:spPr>
+        <p:txBody>
+          <a:bodyPr wrap="square">
+            <a:spAutoFit/>
+          </a:bodyPr>
+          <a:lstStyle/>
+          <a:p>
+            <a:pPr marL="342900" indent="-342900">
+              <a:lnSpc>
+                <a:spcPct val="150000"/>
+              </a:lnSpc>
+              <a:buFont typeface="Arial" panose="020B0604020202020204" pitchFamily="34" charset="0"/>
+              <a:buChar char="•"/>
+            </a:pPr>
+            <a:r>
+              <a:rPr lang="en-US" sz="2000" dirty="0"/>
+              <a:t>Dataset</a:t>
+            </a:r>
+          </a:p>
+          <a:p>
+            <a:pPr marL="342900" indent="-342900">
+              <a:lnSpc>
+                <a:spcPct val="150000"/>
+              </a:lnSpc>
+              <a:buFont typeface="Arial" panose="020B0604020202020204" pitchFamily="34" charset="0"/>
+              <a:buChar char="•"/>
+            </a:pPr>
+            <a:r>
+              <a:rPr lang="en-US" sz="2000" dirty="0"/>
+              <a:t>Validation</a:t>
+            </a:r>
+          </a:p>
+          <a:p>
+            <a:pPr marL="342900" indent="-342900">
+              <a:lnSpc>
+                <a:spcPct val="150000"/>
+              </a:lnSpc>
+              <a:buFont typeface="Arial" panose="020B0604020202020204" pitchFamily="34" charset="0"/>
+              <a:buChar char="•"/>
+            </a:pPr>
+            <a:r>
+              <a:rPr lang="en-US" sz="2000" dirty="0"/>
+              <a:t>Result dashboard      </a:t>
+            </a:r>
+          </a:p>
+          <a:p>
+            <a:pPr>
+              <a:lnSpc>
+                <a:spcPct val="150000"/>
+              </a:lnSpc>
+            </a:pPr>
+            <a:endParaRPr lang="en-US" sz="2000" dirty="0"/>
+          </a:p>
+        </p:txBody>
+      </p:sp>
+    </p:spTree>
+    <p:extLst>
+      <p:ext uri="{BB962C8B-B14F-4D97-AF65-F5344CB8AC3E}">
+        <p14:creationId xmlns:p14="http://schemas.microsoft.com/office/powerpoint/2010/main" val="2897790267"/>
       </p:ext>
     </p:extLst>
   </p:cSld>
